--- a/poster.pptx
+++ b/poster.pptx
@@ -107,7 +107,24 @@
       </a:defRPr>
     </a:lvl9pPr>
   </p:defaultTextStyle>
+  <p:extLst>
+    <p:ext uri="{EFAFB233-063F-42B5-8137-9DF3F51BA10A}">
+      <p15:sldGuideLst xmlns:p15="http://schemas.microsoft.com/office/powerpoint/2012/main"/>
+    </p:ext>
+  </p:extLst>
 </p:presentation>
+</file>
+
+<file path=ppt/commentAuthors.xml><?xml version="1.0" encoding="utf-8"?>
+<p:cmAuthorLst xmlns:a="http://schemas.openxmlformats.org/drawingml/2006/main" xmlns:r="http://schemas.openxmlformats.org/officeDocument/2006/relationships" xmlns:p="http://schemas.openxmlformats.org/presentationml/2006/main">
+  <p:cmAuthor id="1" name="Matej Horniak" initials="MH" lastIdx="1" clrIdx="0">
+    <p:extLst>
+      <p:ext uri="{19B8F6BF-5375-455C-9EA6-DF929625EA0E}">
+        <p15:presenceInfo xmlns:p15="http://schemas.microsoft.com/office/powerpoint/2012/main" userId="26e83597dd761a1e" providerId="Windows Live"/>
+      </p:ext>
+    </p:extLst>
+  </p:cmAuthor>
+</p:cmAuthorLst>
 </file>
 
 <file path=ppt/notesMasters/notesMaster1.xml><?xml version="1.0" encoding="utf-8"?>
@@ -192,7 +209,7 @@
           <a:p>
             <a:fld id="{16F26438-5028-4B8D-BA58-89650C741740}" type="datetimeFigureOut">
               <a:rPr lang="en-US" smtClean="0"/>
-              <a:t>4/18/2020</a:t>
+              <a:t>4/21/2020</a:t>
             </a:fld>
             <a:endParaRPr lang="en-US"/>
           </a:p>
@@ -504,7 +521,3303 @@
           <a:bodyPr/>
           <a:lstStyle/>
           <a:p>
+            <a:r>
+              <a:rPr lang="en-US" dirty="0" err="1"/>
+              <a:t>Dobry</a:t>
+            </a:r>
+            <a:r>
+              <a:rPr lang="en-US" dirty="0"/>
+              <a:t> den, </a:t>
+            </a:r>
+            <a:r>
+              <a:rPr lang="en-US" dirty="0" err="1"/>
+              <a:t>moje</a:t>
+            </a:r>
+            <a:r>
+              <a:rPr lang="en-US" dirty="0"/>
+              <a:t> </a:t>
+            </a:r>
+            <a:r>
+              <a:rPr lang="en-US" dirty="0" err="1"/>
+              <a:t>meno</a:t>
+            </a:r>
+            <a:r>
+              <a:rPr lang="en-US" dirty="0"/>
+              <a:t> je Matej Horniak a </a:t>
+            </a:r>
+            <a:r>
+              <a:rPr lang="en-US" dirty="0" err="1"/>
+              <a:t>mojou</a:t>
+            </a:r>
+            <a:r>
+              <a:rPr lang="en-US" dirty="0"/>
+              <a:t> </a:t>
+            </a:r>
+            <a:r>
+              <a:rPr lang="en-US" dirty="0" err="1"/>
+              <a:t>temou</a:t>
+            </a:r>
+            <a:r>
+              <a:rPr lang="en-US" dirty="0"/>
+              <a:t> je </a:t>
+            </a:r>
+            <a:r>
+              <a:rPr lang="en-US" dirty="0" err="1"/>
+              <a:t>spracovanie</a:t>
+            </a:r>
+            <a:r>
+              <a:rPr lang="en-US" dirty="0"/>
+              <a:t> </a:t>
+            </a:r>
+            <a:r>
+              <a:rPr lang="en-US" dirty="0" err="1"/>
+              <a:t>medicinskych</a:t>
+            </a:r>
+            <a:r>
+              <a:rPr lang="en-US" dirty="0"/>
+              <a:t> </a:t>
+            </a:r>
+            <a:r>
+              <a:rPr lang="en-US" dirty="0" err="1"/>
+              <a:t>dat</a:t>
+            </a:r>
+            <a:r>
+              <a:rPr lang="en-US" dirty="0"/>
+              <a:t> </a:t>
+            </a:r>
+            <a:r>
+              <a:rPr lang="en-US" dirty="0" err="1"/>
+              <a:t>metodami</a:t>
+            </a:r>
+            <a:r>
+              <a:rPr lang="en-US" dirty="0"/>
+              <a:t> </a:t>
+            </a:r>
+            <a:r>
+              <a:rPr lang="en-US" dirty="0" err="1"/>
+              <a:t>umelej</a:t>
+            </a:r>
+            <a:r>
+              <a:rPr lang="en-US" dirty="0"/>
+              <a:t> </a:t>
+            </a:r>
+            <a:r>
+              <a:rPr lang="en-US" dirty="0" err="1"/>
+              <a:t>inteligencie</a:t>
+            </a:r>
+            <a:r>
+              <a:rPr lang="en-US" dirty="0"/>
+              <a:t> pre </a:t>
+            </a:r>
+            <a:r>
+              <a:rPr lang="en-US" dirty="0" err="1"/>
+              <a:t>lekarsku</a:t>
+            </a:r>
+            <a:r>
+              <a:rPr lang="en-US" dirty="0"/>
+              <a:t> </a:t>
+            </a:r>
+            <a:r>
+              <a:rPr lang="en-US" dirty="0" err="1"/>
+              <a:t>diagnozu</a:t>
+            </a:r>
+            <a:r>
+              <a:rPr lang="en-US" dirty="0"/>
+              <a:t>. </a:t>
+            </a:r>
+          </a:p>
+          <a:p>
+            <a:r>
+              <a:rPr lang="en-US" dirty="0" err="1"/>
+              <a:t>Cielom</a:t>
+            </a:r>
+            <a:r>
+              <a:rPr lang="en-US" dirty="0"/>
+              <a:t> </a:t>
+            </a:r>
+            <a:r>
+              <a:rPr lang="en-US" dirty="0" err="1"/>
+              <a:t>prace</a:t>
+            </a:r>
+            <a:r>
+              <a:rPr lang="en-US" dirty="0"/>
+              <a:t> je </a:t>
+            </a:r>
+            <a:r>
+              <a:rPr lang="en-US" dirty="0" err="1"/>
+              <a:t>klasifikacia</a:t>
+            </a:r>
+            <a:r>
+              <a:rPr lang="en-US" dirty="0"/>
+              <a:t> </a:t>
+            </a:r>
+            <a:r>
+              <a:rPr lang="en-US" dirty="0" err="1"/>
+              <a:t>nad</a:t>
+            </a:r>
+            <a:r>
+              <a:rPr lang="en-US" dirty="0"/>
+              <a:t> </a:t>
+            </a:r>
+            <a:r>
+              <a:rPr lang="en-US" dirty="0" err="1"/>
+              <a:t>histologickymi</a:t>
+            </a:r>
+            <a:r>
+              <a:rPr lang="en-US" dirty="0"/>
+              <a:t> </a:t>
+            </a:r>
+            <a:r>
+              <a:rPr lang="en-US" dirty="0" err="1"/>
+              <a:t>datami</a:t>
+            </a:r>
+            <a:r>
+              <a:rPr lang="en-US" dirty="0"/>
+              <a:t>, </a:t>
+            </a:r>
+            <a:r>
+              <a:rPr lang="en-US" dirty="0" err="1"/>
+              <a:t>kde</a:t>
+            </a:r>
+            <a:r>
+              <a:rPr lang="en-US" dirty="0"/>
+              <a:t> NN ma </a:t>
+            </a:r>
+            <a:r>
+              <a:rPr lang="en-US" dirty="0" err="1"/>
+              <a:t>vediet</a:t>
+            </a:r>
+            <a:r>
+              <a:rPr lang="en-US" dirty="0"/>
+              <a:t> </a:t>
+            </a:r>
+            <a:r>
+              <a:rPr lang="en-US" dirty="0" err="1"/>
+              <a:t>rozdelit</a:t>
+            </a:r>
+            <a:r>
+              <a:rPr lang="en-US" dirty="0"/>
+              <a:t> </a:t>
+            </a:r>
+            <a:r>
+              <a:rPr lang="en-US" dirty="0" err="1"/>
+              <a:t>obrazky</a:t>
+            </a:r>
+            <a:r>
+              <a:rPr lang="en-US" dirty="0"/>
+              <a:t> do 2 </a:t>
+            </a:r>
+            <a:r>
+              <a:rPr lang="en-US" dirty="0" err="1"/>
+              <a:t>kategorii</a:t>
+            </a:r>
+            <a:r>
+              <a:rPr lang="en-US" dirty="0"/>
+              <a:t> a to data </a:t>
+            </a:r>
+            <a:r>
+              <a:rPr lang="en-US" dirty="0" err="1"/>
+              <a:t>kde</a:t>
+            </a:r>
+            <a:r>
+              <a:rPr lang="en-US" dirty="0"/>
+              <a:t> </a:t>
+            </a:r>
+            <a:r>
+              <a:rPr lang="en-US" dirty="0" err="1"/>
+              <a:t>sa</a:t>
+            </a:r>
+            <a:r>
+              <a:rPr lang="en-US" dirty="0"/>
+              <a:t> </a:t>
+            </a:r>
+            <a:r>
+              <a:rPr lang="en-US" dirty="0" err="1"/>
+              <a:t>nachadza</a:t>
+            </a:r>
+            <a:r>
+              <a:rPr lang="en-US" dirty="0"/>
+              <a:t> </a:t>
+            </a:r>
+            <a:r>
+              <a:rPr lang="en-US" dirty="0" err="1"/>
+              <a:t>rakovina</a:t>
+            </a:r>
+            <a:r>
+              <a:rPr lang="en-US" dirty="0"/>
+              <a:t>  a </a:t>
+            </a:r>
+            <a:r>
+              <a:rPr lang="en-US" dirty="0" err="1"/>
+              <a:t>kde</a:t>
+            </a:r>
+            <a:r>
+              <a:rPr lang="en-US" dirty="0"/>
+              <a:t> </a:t>
+            </a:r>
+            <a:r>
+              <a:rPr lang="en-US" dirty="0" err="1"/>
+              <a:t>sa</a:t>
+            </a:r>
+            <a:r>
+              <a:rPr lang="en-US" dirty="0"/>
+              <a:t> </a:t>
+            </a:r>
+            <a:r>
+              <a:rPr lang="en-US" dirty="0" err="1"/>
+              <a:t>nenachadza</a:t>
+            </a:r>
+            <a:r>
+              <a:rPr lang="en-US" dirty="0"/>
+              <a:t> </a:t>
+            </a:r>
+            <a:r>
+              <a:rPr lang="en-US" dirty="0" err="1"/>
+              <a:t>teda</a:t>
+            </a:r>
+            <a:r>
+              <a:rPr lang="en-US" dirty="0"/>
+              <a:t> </a:t>
+            </a:r>
+            <a:r>
+              <a:rPr lang="en-US" dirty="0" err="1"/>
+              <a:t>maligne</a:t>
+            </a:r>
+            <a:r>
+              <a:rPr lang="en-US" dirty="0"/>
+              <a:t> a </a:t>
+            </a:r>
+            <a:r>
+              <a:rPr lang="en-US" dirty="0" err="1"/>
+              <a:t>nemaligne</a:t>
+            </a:r>
+            <a:r>
+              <a:rPr lang="en-US" dirty="0"/>
+              <a:t>. Pre </a:t>
+            </a:r>
+            <a:r>
+              <a:rPr lang="en-US" dirty="0" err="1"/>
+              <a:t>tuto</a:t>
+            </a:r>
+            <a:r>
+              <a:rPr lang="en-US" dirty="0"/>
+              <a:t> </a:t>
+            </a:r>
+            <a:r>
+              <a:rPr lang="en-US" dirty="0" err="1"/>
+              <a:t>ulohe</a:t>
+            </a:r>
+            <a:r>
+              <a:rPr lang="en-US" dirty="0"/>
+              <a:t> </a:t>
+            </a:r>
+            <a:r>
+              <a:rPr lang="en-US" dirty="0" err="1"/>
+              <a:t>sme</a:t>
+            </a:r>
+            <a:r>
+              <a:rPr lang="en-US" dirty="0"/>
+              <a:t> </a:t>
+            </a:r>
+            <a:r>
+              <a:rPr lang="en-US" dirty="0" err="1"/>
+              <a:t>vybrali</a:t>
+            </a:r>
+            <a:r>
+              <a:rPr lang="en-US" dirty="0"/>
+              <a:t> </a:t>
+            </a:r>
+            <a:r>
+              <a:rPr lang="en-US" dirty="0" err="1"/>
+              <a:t>konvolucne</a:t>
+            </a:r>
+            <a:r>
+              <a:rPr lang="en-US" dirty="0"/>
+              <a:t> </a:t>
+            </a:r>
+            <a:r>
+              <a:rPr lang="en-US" dirty="0" err="1"/>
+              <a:t>neuronove</a:t>
+            </a:r>
+            <a:r>
+              <a:rPr lang="en-US" dirty="0"/>
+              <a:t> </a:t>
+            </a:r>
+            <a:r>
+              <a:rPr lang="en-US" dirty="0" err="1"/>
+              <a:t>siete</a:t>
+            </a:r>
+            <a:r>
+              <a:rPr lang="en-US" dirty="0"/>
+              <a:t>, </a:t>
+            </a:r>
+            <a:r>
+              <a:rPr lang="en-US" dirty="0" err="1"/>
+              <a:t>ktore</a:t>
+            </a:r>
+            <a:r>
+              <a:rPr lang="en-US" dirty="0"/>
+              <a:t> </a:t>
+            </a:r>
+            <a:r>
+              <a:rPr lang="en-US" dirty="0" err="1"/>
+              <a:t>dokazu</a:t>
+            </a:r>
+            <a:r>
+              <a:rPr lang="en-US" dirty="0"/>
+              <a:t> </a:t>
+            </a:r>
+            <a:r>
+              <a:rPr lang="en-US" dirty="0" err="1"/>
+              <a:t>najlepsie</a:t>
+            </a:r>
+            <a:r>
+              <a:rPr lang="en-US" dirty="0"/>
+              <a:t> </a:t>
+            </a:r>
+            <a:r>
+              <a:rPr lang="en-US" dirty="0" err="1"/>
+              <a:t>rozoznavat</a:t>
+            </a:r>
+            <a:r>
+              <a:rPr lang="en-US" dirty="0"/>
+              <a:t> </a:t>
+            </a:r>
+            <a:r>
+              <a:rPr lang="en-US" dirty="0" err="1"/>
+              <a:t>vzory</a:t>
+            </a:r>
+            <a:r>
+              <a:rPr lang="en-US" dirty="0"/>
+              <a:t> </a:t>
+            </a:r>
+            <a:r>
+              <a:rPr lang="en-US" dirty="0" err="1"/>
+              <a:t>na</a:t>
+            </a:r>
+            <a:r>
+              <a:rPr lang="en-US" dirty="0"/>
+              <a:t> </a:t>
+            </a:r>
+            <a:r>
+              <a:rPr lang="en-US" dirty="0" err="1"/>
+              <a:t>obrazkovych</a:t>
+            </a:r>
+            <a:r>
+              <a:rPr lang="en-US" dirty="0"/>
+              <a:t> </a:t>
+            </a:r>
+            <a:r>
+              <a:rPr lang="en-US" dirty="0" err="1"/>
+              <a:t>datatach</a:t>
+            </a:r>
+            <a:r>
+              <a:rPr lang="en-US" dirty="0"/>
+              <a:t>.  V </a:t>
+            </a:r>
+            <a:r>
+              <a:rPr lang="en-US" dirty="0" err="1"/>
+              <a:t>sekci</a:t>
+            </a:r>
+            <a:r>
+              <a:rPr lang="en-US" dirty="0"/>
+              <a:t> </a:t>
+            </a:r>
+            <a:r>
+              <a:rPr lang="en-US" dirty="0" err="1"/>
+              <a:t>datatset</a:t>
+            </a:r>
+            <a:r>
+              <a:rPr lang="en-US" dirty="0"/>
+              <a:t> </a:t>
+            </a:r>
+            <a:r>
+              <a:rPr lang="en-US" dirty="0" err="1"/>
+              <a:t>mozte</a:t>
+            </a:r>
+            <a:r>
+              <a:rPr lang="en-US" dirty="0"/>
+              <a:t> </a:t>
+            </a:r>
+            <a:r>
+              <a:rPr lang="en-US" dirty="0" err="1"/>
+              <a:t>vidiet</a:t>
+            </a:r>
+            <a:r>
+              <a:rPr lang="en-US" dirty="0"/>
+              <a:t> </a:t>
+            </a:r>
+            <a:r>
+              <a:rPr lang="en-US" dirty="0" err="1"/>
+              <a:t>priklad</a:t>
+            </a:r>
+            <a:r>
+              <a:rPr lang="en-US" dirty="0"/>
+              <a:t> </a:t>
+            </a:r>
+            <a:r>
+              <a:rPr lang="en-US" dirty="0" err="1"/>
+              <a:t>dat</a:t>
+            </a:r>
+            <a:r>
+              <a:rPr lang="en-US" dirty="0"/>
+              <a:t> </a:t>
+            </a:r>
+            <a:r>
+              <a:rPr lang="en-US" dirty="0" err="1"/>
+              <a:t>ktore</a:t>
+            </a:r>
+            <a:r>
+              <a:rPr lang="en-US" dirty="0"/>
+              <a:t> </a:t>
+            </a:r>
+            <a:r>
+              <a:rPr lang="en-US" dirty="0" err="1"/>
+              <a:t>sme</a:t>
+            </a:r>
+            <a:r>
+              <a:rPr lang="en-US" dirty="0"/>
+              <a:t> </a:t>
+            </a:r>
+            <a:r>
+              <a:rPr lang="en-US" dirty="0" err="1"/>
+              <a:t>pouzivali</a:t>
+            </a:r>
+            <a:r>
+              <a:rPr lang="en-US" dirty="0"/>
+              <a:t> </a:t>
+            </a:r>
+            <a:r>
+              <a:rPr lang="en-US" dirty="0" err="1"/>
+              <a:t>na</a:t>
+            </a:r>
+            <a:r>
+              <a:rPr lang="en-US" dirty="0"/>
+              <a:t> </a:t>
+            </a:r>
+            <a:r>
+              <a:rPr lang="en-US" dirty="0" err="1"/>
+              <a:t>trenovanie</a:t>
+            </a:r>
+            <a:r>
+              <a:rPr lang="en-US" dirty="0"/>
+              <a:t> a </a:t>
+            </a:r>
+            <a:r>
+              <a:rPr lang="en-US" dirty="0" err="1"/>
+              <a:t>na</a:t>
+            </a:r>
+            <a:r>
+              <a:rPr lang="en-US" dirty="0"/>
+              <a:t> </a:t>
+            </a:r>
+            <a:r>
+              <a:rPr lang="en-US" dirty="0" err="1"/>
+              <a:t>testovaie</a:t>
+            </a:r>
+            <a:r>
+              <a:rPr lang="en-US" dirty="0"/>
+              <a:t>, </a:t>
+            </a:r>
+            <a:r>
+              <a:rPr lang="en-US" dirty="0" err="1"/>
+              <a:t>tieto</a:t>
+            </a:r>
+            <a:r>
+              <a:rPr lang="en-US" dirty="0"/>
+              <a:t> data </a:t>
+            </a:r>
+            <a:r>
+              <a:rPr lang="en-US" dirty="0" err="1"/>
+              <a:t>su</a:t>
+            </a:r>
+            <a:r>
+              <a:rPr lang="en-US" dirty="0"/>
+              <a:t> z </a:t>
+            </a:r>
+            <a:r>
+              <a:rPr lang="en-US" dirty="0" err="1"/>
+              <a:t>vyrezi</a:t>
+            </a:r>
+            <a:r>
+              <a:rPr lang="en-US" dirty="0"/>
+              <a:t> z datasetu camelyon16, </a:t>
+            </a:r>
+            <a:r>
+              <a:rPr lang="en-US" dirty="0" err="1"/>
+              <a:t>ktory</a:t>
+            </a:r>
+            <a:r>
+              <a:rPr lang="en-US" dirty="0"/>
+              <a:t> </a:t>
+            </a:r>
+            <a:r>
+              <a:rPr lang="en-US" dirty="0" err="1"/>
+              <a:t>obsahuje</a:t>
+            </a:r>
+            <a:r>
+              <a:rPr lang="en-US" dirty="0"/>
+              <a:t> </a:t>
+            </a:r>
+            <a:r>
+              <a:rPr lang="en-US" dirty="0" err="1"/>
+              <a:t>histologicke</a:t>
+            </a:r>
+            <a:r>
+              <a:rPr lang="en-US" dirty="0"/>
+              <a:t> </a:t>
+            </a:r>
+            <a:r>
+              <a:rPr lang="en-US" dirty="0" err="1"/>
+              <a:t>obrazky</a:t>
+            </a:r>
+            <a:r>
+              <a:rPr lang="en-US" dirty="0"/>
+              <a:t> </a:t>
+            </a:r>
+            <a:r>
+              <a:rPr lang="en-US" dirty="0" err="1"/>
+              <a:t>limfatickych</a:t>
+            </a:r>
+            <a:r>
+              <a:rPr lang="en-US" dirty="0"/>
+              <a:t> </a:t>
+            </a:r>
+            <a:r>
+              <a:rPr lang="en-US" dirty="0" err="1"/>
+              <a:t>uzlin</a:t>
+            </a:r>
+            <a:r>
+              <a:rPr lang="en-US" dirty="0"/>
+              <a:t>. </a:t>
+            </a:r>
+            <a:r>
+              <a:rPr lang="en-US" dirty="0" err="1"/>
+              <a:t>Pomer</a:t>
+            </a:r>
+            <a:r>
+              <a:rPr lang="en-US" dirty="0"/>
+              <a:t> </a:t>
+            </a:r>
+            <a:r>
+              <a:rPr lang="en-US" dirty="0" err="1"/>
+              <a:t>malignych</a:t>
+            </a:r>
+            <a:r>
+              <a:rPr lang="en-US" dirty="0"/>
+              <a:t> a </a:t>
+            </a:r>
+            <a:r>
+              <a:rPr lang="en-US" dirty="0" err="1"/>
+              <a:t>nemalignych</a:t>
+            </a:r>
+            <a:r>
+              <a:rPr lang="en-US" dirty="0"/>
+              <a:t> </a:t>
+            </a:r>
+            <a:r>
+              <a:rPr lang="en-US" dirty="0" err="1"/>
+              <a:t>obrazkov</a:t>
+            </a:r>
+            <a:r>
+              <a:rPr lang="en-US" dirty="0"/>
+              <a:t> v </a:t>
+            </a:r>
+            <a:r>
+              <a:rPr lang="en-US" dirty="0" err="1"/>
+              <a:t>tomto</a:t>
+            </a:r>
+            <a:r>
+              <a:rPr lang="en-US" dirty="0"/>
+              <a:t> datasete je 1 </a:t>
+            </a:r>
+            <a:r>
+              <a:rPr lang="en-US" dirty="0" err="1"/>
+              <a:t>ku</a:t>
+            </a:r>
+            <a:r>
+              <a:rPr lang="en-US" dirty="0"/>
+              <a:t> 1 </a:t>
+            </a:r>
+          </a:p>
+          <a:p>
             <a:endParaRPr lang="en-US" dirty="0"/>
+          </a:p>
+          <a:p>
+            <a:r>
+              <a:rPr lang="en-US" dirty="0" err="1"/>
+              <a:t>Ako</a:t>
+            </a:r>
+            <a:r>
+              <a:rPr lang="en-US" dirty="0"/>
+              <a:t> </a:t>
+            </a:r>
+            <a:r>
+              <a:rPr lang="en-US" dirty="0" err="1"/>
+              <a:t>hlavnu</a:t>
+            </a:r>
+            <a:r>
+              <a:rPr lang="en-US" dirty="0"/>
+              <a:t> </a:t>
+            </a:r>
+            <a:r>
+              <a:rPr lang="en-US" dirty="0" err="1"/>
+              <a:t>ulohu</a:t>
+            </a:r>
+            <a:r>
+              <a:rPr lang="en-US" dirty="0"/>
+              <a:t> </a:t>
+            </a:r>
+            <a:r>
+              <a:rPr lang="en-US" dirty="0" err="1"/>
+              <a:t>sme</a:t>
+            </a:r>
+            <a:r>
+              <a:rPr lang="en-US" dirty="0"/>
+              <a:t> </a:t>
+            </a:r>
+            <a:r>
+              <a:rPr lang="en-US" dirty="0" err="1"/>
+              <a:t>vybrali</a:t>
+            </a:r>
+            <a:r>
+              <a:rPr lang="en-US" dirty="0"/>
+              <a:t> </a:t>
+            </a:r>
+            <a:r>
+              <a:rPr lang="en-US" dirty="0" err="1"/>
+              <a:t>porovnanie</a:t>
+            </a:r>
+            <a:r>
+              <a:rPr lang="en-US" dirty="0"/>
+              <a:t> </a:t>
+            </a:r>
+            <a:r>
+              <a:rPr lang="en-US" dirty="0" err="1"/>
+              <a:t>roznych</a:t>
+            </a:r>
+            <a:r>
+              <a:rPr lang="en-US" dirty="0"/>
+              <a:t> </a:t>
+            </a:r>
+            <a:r>
+              <a:rPr lang="en-US" dirty="0" err="1"/>
+              <a:t>pristupy</a:t>
+            </a:r>
+            <a:r>
+              <a:rPr lang="en-US" dirty="0"/>
+              <a:t> </a:t>
+            </a:r>
+            <a:r>
+              <a:rPr lang="en-US" dirty="0" err="1"/>
+              <a:t>tvorenia</a:t>
+            </a:r>
+            <a:r>
+              <a:rPr lang="en-US" dirty="0"/>
+              <a:t> </a:t>
+            </a:r>
+            <a:r>
+              <a:rPr lang="en-US" dirty="0" err="1"/>
+              <a:t>filtrov</a:t>
+            </a:r>
+            <a:r>
+              <a:rPr lang="en-US" dirty="0"/>
+              <a:t> v </a:t>
+            </a:r>
+            <a:r>
+              <a:rPr lang="en-US" dirty="0" err="1"/>
+              <a:t>prvych</a:t>
+            </a:r>
+            <a:r>
+              <a:rPr lang="en-US" dirty="0"/>
+              <a:t> </a:t>
+            </a:r>
+            <a:r>
+              <a:rPr lang="en-US" dirty="0" err="1"/>
+              <a:t>vrstvach</a:t>
+            </a:r>
+            <a:r>
+              <a:rPr lang="en-US" dirty="0"/>
+              <a:t> konvolučných  </a:t>
+            </a:r>
+            <a:r>
+              <a:rPr lang="en-US" dirty="0" err="1"/>
+              <a:t>neuronovych</a:t>
+            </a:r>
+            <a:r>
+              <a:rPr lang="en-US" dirty="0"/>
+              <a:t> </a:t>
+            </a:r>
+            <a:r>
+              <a:rPr lang="en-US" dirty="0" err="1"/>
+              <a:t>sietach</a:t>
+            </a:r>
+            <a:r>
+              <a:rPr lang="en-US" dirty="0"/>
+              <a:t>.  </a:t>
+            </a:r>
+          </a:p>
+          <a:p>
+            <a:r>
+              <a:rPr lang="en-US" dirty="0" err="1"/>
+              <a:t>Ako</a:t>
+            </a:r>
+            <a:r>
+              <a:rPr lang="en-US" dirty="0"/>
+              <a:t> </a:t>
+            </a:r>
+            <a:r>
+              <a:rPr lang="en-US" dirty="0" err="1"/>
+              <a:t>skusane</a:t>
+            </a:r>
+            <a:r>
+              <a:rPr lang="en-US" dirty="0"/>
+              <a:t> </a:t>
+            </a:r>
+            <a:r>
+              <a:rPr lang="en-US" dirty="0" err="1"/>
+              <a:t>pristupy</a:t>
+            </a:r>
+            <a:r>
+              <a:rPr lang="en-US" dirty="0"/>
+              <a:t> </a:t>
+            </a:r>
+            <a:r>
+              <a:rPr lang="en-US" dirty="0" err="1"/>
+              <a:t>sme</a:t>
+            </a:r>
+            <a:r>
+              <a:rPr lang="en-US" dirty="0"/>
+              <a:t> </a:t>
+            </a:r>
+            <a:r>
+              <a:rPr lang="en-US" dirty="0" err="1"/>
+              <a:t>vybrali</a:t>
+            </a:r>
+            <a:endParaRPr lang="en-US" dirty="0"/>
+          </a:p>
+          <a:p>
+            <a:r>
+              <a:rPr lang="en-US" dirty="0"/>
+              <a:t>	 za </a:t>
+            </a:r>
+            <a:r>
+              <a:rPr lang="en-US" dirty="0" err="1"/>
+              <a:t>automaticke</a:t>
+            </a:r>
+            <a:r>
+              <a:rPr lang="en-US" dirty="0"/>
+              <a:t> </a:t>
+            </a:r>
+            <a:r>
+              <a:rPr lang="en-US" dirty="0" err="1"/>
+              <a:t>tvorenie</a:t>
+            </a:r>
+            <a:r>
+              <a:rPr lang="en-US" dirty="0"/>
+              <a:t> </a:t>
+            </a:r>
+            <a:r>
+              <a:rPr lang="en-US" dirty="0" err="1"/>
+              <a:t>filtrov</a:t>
+            </a:r>
+            <a:r>
+              <a:rPr lang="en-US" dirty="0"/>
+              <a:t> </a:t>
+            </a:r>
+            <a:r>
+              <a:rPr lang="en-US" dirty="0" err="1"/>
+              <a:t>klasicky</a:t>
+            </a:r>
+            <a:r>
+              <a:rPr lang="en-US" dirty="0"/>
+              <a:t> backpropagation, autoencoder a transfer learning </a:t>
+            </a:r>
+            <a:r>
+              <a:rPr lang="en-US" dirty="0" err="1"/>
+              <a:t>pricom</a:t>
+            </a:r>
+            <a:r>
+              <a:rPr lang="en-US" dirty="0"/>
+              <a:t> </a:t>
+            </a:r>
+            <a:r>
+              <a:rPr lang="en-US" dirty="0" err="1"/>
+              <a:t>sme</a:t>
+            </a:r>
+            <a:r>
+              <a:rPr lang="en-US" dirty="0"/>
+              <a:t> </a:t>
+            </a:r>
+            <a:r>
+              <a:rPr lang="en-US" dirty="0" err="1"/>
+              <a:t>pouzili</a:t>
+            </a:r>
+            <a:r>
+              <a:rPr lang="en-US" dirty="0"/>
+              <a:t> </a:t>
+            </a:r>
+            <a:r>
+              <a:rPr lang="en-US" dirty="0" err="1"/>
+              <a:t>modeli</a:t>
+            </a:r>
+            <a:r>
+              <a:rPr lang="en-US" dirty="0"/>
+              <a:t> </a:t>
+            </a:r>
+            <a:r>
+              <a:rPr lang="en-US" dirty="0" err="1"/>
+              <a:t>ktore</a:t>
+            </a:r>
+            <a:r>
+              <a:rPr lang="en-US" dirty="0"/>
+              <a:t> </a:t>
+            </a:r>
+            <a:r>
+              <a:rPr lang="en-US" dirty="0" err="1"/>
+              <a:t>su</a:t>
+            </a:r>
+            <a:r>
+              <a:rPr lang="en-US" dirty="0"/>
+              <a:t> </a:t>
+            </a:r>
+            <a:r>
+              <a:rPr lang="en-US" dirty="0" err="1"/>
+              <a:t>na</a:t>
+            </a:r>
+            <a:r>
+              <a:rPr lang="en-US" dirty="0"/>
+              <a:t> </a:t>
+            </a:r>
+            <a:r>
+              <a:rPr lang="en-US" dirty="0" err="1"/>
+              <a:t>tuto</a:t>
+            </a:r>
+            <a:r>
+              <a:rPr lang="en-US" dirty="0"/>
+              <a:t> </a:t>
+            </a:r>
+            <a:r>
+              <a:rPr lang="en-US" dirty="0" err="1"/>
+              <a:t>ulohu</a:t>
+            </a:r>
+            <a:r>
+              <a:rPr lang="en-US" dirty="0"/>
+              <a:t> </a:t>
+            </a:r>
+            <a:r>
+              <a:rPr lang="en-US" dirty="0" err="1"/>
+              <a:t>najbeznejsie</a:t>
+            </a:r>
+            <a:r>
+              <a:rPr lang="en-US" dirty="0"/>
+              <a:t> </a:t>
+            </a:r>
+            <a:r>
+              <a:rPr lang="en-US" dirty="0" err="1"/>
+              <a:t>teda</a:t>
+            </a:r>
+            <a:r>
+              <a:rPr lang="en-US" dirty="0"/>
+              <a:t> </a:t>
+            </a:r>
+            <a:r>
+              <a:rPr lang="en-US" dirty="0" err="1"/>
+              <a:t>ResNet</a:t>
+            </a:r>
+            <a:r>
+              <a:rPr lang="en-US" dirty="0"/>
+              <a:t>, VGG. </a:t>
+            </a:r>
+          </a:p>
+          <a:p>
+            <a:r>
+              <a:rPr lang="en-US" dirty="0"/>
+              <a:t>	Za </a:t>
+            </a:r>
+            <a:r>
+              <a:rPr lang="en-US" dirty="0" err="1"/>
+              <a:t>manualne</a:t>
+            </a:r>
+            <a:r>
+              <a:rPr lang="en-US" dirty="0"/>
+              <a:t> </a:t>
+            </a:r>
+            <a:r>
+              <a:rPr lang="en-US" dirty="0" err="1"/>
+              <a:t>tvorenie</a:t>
+            </a:r>
+            <a:r>
+              <a:rPr lang="en-US" dirty="0"/>
+              <a:t> </a:t>
+            </a:r>
+            <a:r>
+              <a:rPr lang="en-US" dirty="0" err="1"/>
+              <a:t>filtorv</a:t>
+            </a:r>
+            <a:r>
+              <a:rPr lang="en-US" dirty="0"/>
+              <a:t> </a:t>
+            </a:r>
+            <a:r>
+              <a:rPr lang="en-US" dirty="0" err="1"/>
+              <a:t>sme</a:t>
+            </a:r>
+            <a:r>
+              <a:rPr lang="en-US" dirty="0"/>
+              <a:t> </a:t>
+            </a:r>
+            <a:r>
+              <a:rPr lang="en-US" dirty="0" err="1"/>
+              <a:t>vybrali</a:t>
+            </a:r>
+            <a:r>
+              <a:rPr lang="en-US" dirty="0"/>
+              <a:t> </a:t>
+            </a:r>
+            <a:r>
+              <a:rPr lang="en-US" dirty="0" err="1"/>
+              <a:t>Gaborove</a:t>
+            </a:r>
+            <a:r>
+              <a:rPr lang="en-US" dirty="0"/>
+              <a:t> </a:t>
+            </a:r>
+            <a:r>
+              <a:rPr lang="en-US" dirty="0" err="1"/>
+              <a:t>filtre</a:t>
+            </a:r>
+            <a:r>
+              <a:rPr lang="en-US" dirty="0"/>
+              <a:t>. </a:t>
+            </a:r>
+          </a:p>
+          <a:p>
+            <a:r>
+              <a:rPr lang="en-US" dirty="0" err="1"/>
+              <a:t>Vsetky</a:t>
+            </a:r>
+            <a:r>
+              <a:rPr lang="en-US" dirty="0"/>
+              <a:t> </a:t>
+            </a:r>
+            <a:r>
+              <a:rPr lang="en-US" dirty="0" err="1"/>
+              <a:t>tieto</a:t>
+            </a:r>
+            <a:r>
+              <a:rPr lang="en-US" dirty="0"/>
+              <a:t> </a:t>
+            </a:r>
+            <a:r>
+              <a:rPr lang="en-US" dirty="0" err="1"/>
+              <a:t>pristupy</a:t>
+            </a:r>
+            <a:r>
+              <a:rPr lang="en-US" dirty="0"/>
+              <a:t> </a:t>
+            </a:r>
+            <a:r>
+              <a:rPr lang="en-US" dirty="0" err="1"/>
+              <a:t>budeme</a:t>
+            </a:r>
+            <a:r>
+              <a:rPr lang="en-US" dirty="0"/>
+              <a:t> </a:t>
+            </a:r>
+            <a:r>
+              <a:rPr lang="en-US" dirty="0" err="1"/>
+              <a:t>prikladat</a:t>
+            </a:r>
+            <a:r>
+              <a:rPr lang="en-US" dirty="0"/>
+              <a:t> </a:t>
+            </a:r>
+            <a:r>
+              <a:rPr lang="en-US" dirty="0" err="1"/>
+              <a:t>na</a:t>
+            </a:r>
+            <a:r>
+              <a:rPr lang="en-US" dirty="0"/>
+              <a:t> </a:t>
+            </a:r>
+            <a:r>
+              <a:rPr lang="en-US" dirty="0" err="1"/>
+              <a:t>zaciatok</a:t>
+            </a:r>
+            <a:r>
+              <a:rPr lang="en-US" dirty="0"/>
+              <a:t> </a:t>
+            </a:r>
+            <a:r>
+              <a:rPr lang="en-US" dirty="0" err="1"/>
+              <a:t>klasickej</a:t>
+            </a:r>
+            <a:r>
+              <a:rPr lang="en-US" dirty="0"/>
+              <a:t> </a:t>
+            </a:r>
+            <a:r>
+              <a:rPr lang="en-US" dirty="0" err="1"/>
+              <a:t>unet</a:t>
+            </a:r>
+            <a:r>
+              <a:rPr lang="en-US" dirty="0"/>
+              <a:t> </a:t>
+            </a:r>
+            <a:r>
+              <a:rPr lang="en-US" dirty="0" err="1"/>
+              <a:t>architektury</a:t>
+            </a:r>
+            <a:r>
+              <a:rPr lang="en-US" dirty="0"/>
+              <a:t>, </a:t>
+            </a:r>
+            <a:r>
+              <a:rPr lang="en-US" dirty="0" err="1"/>
+              <a:t>pricom</a:t>
+            </a:r>
+            <a:r>
+              <a:rPr lang="en-US" dirty="0"/>
+              <a:t> </a:t>
+            </a:r>
+            <a:r>
+              <a:rPr lang="en-US" dirty="0" err="1"/>
+              <a:t>budeme</a:t>
+            </a:r>
+            <a:r>
+              <a:rPr lang="en-US" dirty="0"/>
+              <a:t> </a:t>
+            </a:r>
+            <a:r>
+              <a:rPr lang="en-US" dirty="0" err="1"/>
+              <a:t>pouzivat</a:t>
+            </a:r>
+            <a:r>
+              <a:rPr lang="en-US" dirty="0"/>
+              <a:t> </a:t>
+            </a:r>
+            <a:r>
+              <a:rPr lang="en-US" dirty="0" err="1"/>
+              <a:t>rozne</a:t>
+            </a:r>
+            <a:r>
+              <a:rPr lang="en-US" dirty="0"/>
+              <a:t> </a:t>
+            </a:r>
+            <a:r>
+              <a:rPr lang="en-US" dirty="0" err="1"/>
+              <a:t>pocty</a:t>
+            </a:r>
+            <a:r>
+              <a:rPr lang="en-US" dirty="0"/>
+              <a:t> </a:t>
+            </a:r>
+            <a:r>
+              <a:rPr lang="en-US" dirty="0" err="1"/>
+              <a:t>filtrov</a:t>
+            </a:r>
+            <a:r>
+              <a:rPr lang="en-US" dirty="0"/>
+              <a:t> (</a:t>
+            </a:r>
+            <a:r>
+              <a:rPr lang="en-US" dirty="0" err="1"/>
+              <a:t>kernelov</a:t>
+            </a:r>
+            <a:r>
+              <a:rPr lang="en-US" dirty="0"/>
+              <a:t>) a </a:t>
+            </a:r>
+            <a:r>
+              <a:rPr lang="en-US" dirty="0" err="1"/>
+              <a:t>roznu</a:t>
+            </a:r>
+            <a:r>
+              <a:rPr lang="en-US" dirty="0"/>
+              <a:t> </a:t>
+            </a:r>
+            <a:r>
+              <a:rPr lang="en-US" dirty="0" err="1"/>
+              <a:t>velkost</a:t>
+            </a:r>
+            <a:r>
+              <a:rPr lang="en-US" dirty="0"/>
+              <a:t> </a:t>
+            </a:r>
+            <a:r>
+              <a:rPr lang="en-US" dirty="0" err="1"/>
+              <a:t>filtrov</a:t>
+            </a:r>
+            <a:r>
+              <a:rPr lang="en-US" dirty="0"/>
+              <a:t>. </a:t>
+            </a:r>
+            <a:r>
+              <a:rPr lang="en-US" dirty="0" err="1"/>
+              <a:t>Navrch</a:t>
+            </a:r>
+            <a:r>
+              <a:rPr lang="en-US" dirty="0"/>
+              <a:t> </a:t>
+            </a:r>
+            <a:r>
+              <a:rPr lang="en-US" dirty="0" err="1"/>
+              <a:t>tejto</a:t>
+            </a:r>
+            <a:r>
+              <a:rPr lang="en-US" dirty="0"/>
+              <a:t> </a:t>
+            </a:r>
+            <a:r>
+              <a:rPr lang="en-US" dirty="0" err="1"/>
+              <a:t>upravenej</a:t>
+            </a:r>
+            <a:r>
+              <a:rPr lang="en-US" dirty="0"/>
+              <a:t> </a:t>
+            </a:r>
+            <a:r>
+              <a:rPr lang="en-US" dirty="0" err="1"/>
+              <a:t>architektury</a:t>
+            </a:r>
+            <a:r>
+              <a:rPr lang="en-US" dirty="0"/>
+              <a:t> </a:t>
+            </a:r>
+            <a:r>
+              <a:rPr lang="en-US" dirty="0" err="1"/>
+              <a:t>mozte</a:t>
+            </a:r>
+            <a:r>
+              <a:rPr lang="en-US" dirty="0"/>
+              <a:t> </a:t>
+            </a:r>
+            <a:r>
+              <a:rPr lang="en-US" dirty="0" err="1"/>
+              <a:t>vidiet</a:t>
+            </a:r>
+            <a:r>
+              <a:rPr lang="en-US" dirty="0"/>
+              <a:t> </a:t>
+            </a:r>
+            <a:r>
+              <a:rPr lang="en-US" dirty="0" err="1"/>
+              <a:t>na</a:t>
+            </a:r>
+            <a:r>
+              <a:rPr lang="en-US" dirty="0"/>
+              <a:t> </a:t>
+            </a:r>
+            <a:r>
+              <a:rPr lang="en-US" dirty="0" err="1"/>
+              <a:t>obrazku</a:t>
+            </a:r>
+            <a:r>
+              <a:rPr lang="en-US" dirty="0"/>
+              <a:t>.</a:t>
+            </a:r>
+          </a:p>
+          <a:p>
+            <a:r>
+              <a:rPr lang="en-US" dirty="0" err="1"/>
+              <a:t>Tuto</a:t>
+            </a:r>
+            <a:r>
+              <a:rPr lang="en-US" dirty="0"/>
+              <a:t> </a:t>
+            </a:r>
+            <a:r>
+              <a:rPr lang="en-US" dirty="0" err="1"/>
+              <a:t>architekturu</a:t>
+            </a:r>
+            <a:r>
+              <a:rPr lang="en-US" dirty="0"/>
+              <a:t>, </a:t>
+            </a:r>
+            <a:r>
+              <a:rPr lang="en-US" dirty="0" err="1"/>
+              <a:t>unet</a:t>
+            </a:r>
+            <a:r>
+              <a:rPr lang="en-US" dirty="0"/>
+              <a:t>,  </a:t>
+            </a:r>
+            <a:r>
+              <a:rPr lang="en-US" dirty="0" err="1"/>
+              <a:t>sme</a:t>
+            </a:r>
+            <a:r>
+              <a:rPr lang="en-US" dirty="0"/>
+              <a:t> </a:t>
+            </a:r>
+            <a:r>
+              <a:rPr lang="en-US" dirty="0" err="1"/>
+              <a:t>vybrali</a:t>
+            </a:r>
+            <a:r>
+              <a:rPr lang="en-US" dirty="0"/>
+              <a:t>, </a:t>
+            </a:r>
+            <a:r>
+              <a:rPr lang="en-US" dirty="0" err="1"/>
+              <a:t>kvoli</a:t>
+            </a:r>
+            <a:r>
+              <a:rPr lang="en-US" dirty="0"/>
+              <a:t> </a:t>
+            </a:r>
+            <a:r>
+              <a:rPr lang="en-US" dirty="0" err="1"/>
+              <a:t>tomu</a:t>
+            </a:r>
+            <a:r>
+              <a:rPr lang="en-US" dirty="0"/>
+              <a:t> ze </a:t>
+            </a:r>
+            <a:r>
+              <a:rPr lang="en-US" dirty="0" err="1"/>
+              <a:t>dosahovala</a:t>
+            </a:r>
+            <a:r>
+              <a:rPr lang="en-US" dirty="0"/>
+              <a:t> </a:t>
+            </a:r>
+            <a:r>
+              <a:rPr lang="en-US" dirty="0" err="1"/>
+              <a:t>najlepsie</a:t>
+            </a:r>
+            <a:r>
+              <a:rPr lang="en-US" dirty="0"/>
+              <a:t> </a:t>
+            </a:r>
+            <a:r>
+              <a:rPr lang="en-US" dirty="0" err="1"/>
+              <a:t>vysledky</a:t>
+            </a:r>
+            <a:r>
+              <a:rPr lang="en-US" dirty="0"/>
+              <a:t> zo </a:t>
+            </a:r>
+            <a:r>
+              <a:rPr lang="en-US" dirty="0" err="1"/>
+              <a:t>vsetkych</a:t>
+            </a:r>
+            <a:r>
+              <a:rPr lang="en-US" dirty="0"/>
+              <a:t> </a:t>
+            </a:r>
+            <a:r>
+              <a:rPr lang="en-US" dirty="0" err="1"/>
+              <a:t>testovanych</a:t>
+            </a:r>
+            <a:r>
+              <a:rPr lang="en-US" dirty="0"/>
+              <a:t>, </a:t>
+            </a:r>
+            <a:r>
+              <a:rPr lang="en-US" dirty="0" err="1"/>
+              <a:t>pricom</a:t>
+            </a:r>
+            <a:r>
+              <a:rPr lang="en-US" dirty="0"/>
+              <a:t> </a:t>
+            </a:r>
+            <a:r>
+              <a:rPr lang="en-US" dirty="0" err="1"/>
+              <a:t>sme</a:t>
+            </a:r>
+            <a:r>
+              <a:rPr lang="en-US" dirty="0"/>
+              <a:t> </a:t>
+            </a:r>
+            <a:r>
+              <a:rPr lang="en-US" dirty="0" err="1"/>
+              <a:t>testovali</a:t>
+            </a:r>
+            <a:r>
+              <a:rPr lang="en-US" dirty="0"/>
+              <a:t> VGG16, </a:t>
+            </a:r>
+            <a:r>
+              <a:rPr lang="en-US" dirty="0" err="1"/>
+              <a:t>ResNet</a:t>
+            </a:r>
+            <a:r>
+              <a:rPr lang="en-US" dirty="0"/>
+              <a:t> s </a:t>
+            </a:r>
+            <a:r>
+              <a:rPr lang="en-US" dirty="0" err="1"/>
+              <a:t>hlbkou</a:t>
+            </a:r>
+            <a:r>
+              <a:rPr lang="en-US" dirty="0"/>
+              <a:t> 8 a </a:t>
+            </a:r>
+            <a:r>
+              <a:rPr lang="en-US" dirty="0" err="1"/>
+              <a:t>spominany</a:t>
+            </a:r>
+            <a:r>
+              <a:rPr lang="en-US" dirty="0"/>
+              <a:t> </a:t>
+            </a:r>
+            <a:r>
+              <a:rPr lang="en-US" dirty="0" err="1"/>
+              <a:t>unet</a:t>
+            </a:r>
+            <a:r>
+              <a:rPr lang="en-US" dirty="0"/>
+              <a:t>. </a:t>
+            </a:r>
+            <a:r>
+              <a:rPr lang="en-US" dirty="0" err="1"/>
+              <a:t>Dalej</a:t>
+            </a:r>
+            <a:r>
+              <a:rPr lang="en-US" dirty="0"/>
+              <a:t> </a:t>
+            </a:r>
+            <a:r>
+              <a:rPr lang="en-US" dirty="0" err="1"/>
+              <a:t>sme</a:t>
+            </a:r>
+            <a:r>
+              <a:rPr lang="en-US" dirty="0"/>
+              <a:t> </a:t>
+            </a:r>
+            <a:r>
+              <a:rPr lang="en-US" dirty="0" err="1"/>
+              <a:t>skusali</a:t>
+            </a:r>
+            <a:r>
+              <a:rPr lang="en-US" dirty="0"/>
+              <a:t> </a:t>
+            </a:r>
+            <a:r>
+              <a:rPr lang="en-US" dirty="0" err="1"/>
+              <a:t>aj</a:t>
+            </a:r>
+            <a:r>
+              <a:rPr lang="en-US" dirty="0"/>
+              <a:t> </a:t>
+            </a:r>
+            <a:r>
+              <a:rPr lang="en-US" dirty="0" err="1"/>
+              <a:t>jednoduche</a:t>
+            </a:r>
+            <a:r>
+              <a:rPr lang="en-US" dirty="0"/>
+              <a:t> CN </a:t>
+            </a:r>
+            <a:r>
+              <a:rPr lang="en-US" dirty="0" err="1"/>
+              <a:t>siete</a:t>
+            </a:r>
+            <a:r>
+              <a:rPr lang="en-US" dirty="0"/>
+              <a:t> </a:t>
+            </a:r>
+            <a:r>
+              <a:rPr lang="en-US" dirty="0" err="1"/>
+              <a:t>ktore</a:t>
+            </a:r>
+            <a:r>
+              <a:rPr lang="en-US" dirty="0"/>
+              <a:t> </a:t>
+            </a:r>
+            <a:r>
+              <a:rPr lang="en-US" dirty="0" err="1"/>
+              <a:t>obsahovali</a:t>
+            </a:r>
+            <a:r>
+              <a:rPr lang="en-US" dirty="0"/>
+              <a:t> od 2 po 5 konvolučných </a:t>
+            </a:r>
+            <a:r>
+              <a:rPr lang="en-US" dirty="0" err="1"/>
+              <a:t>vrstiev</a:t>
+            </a:r>
+            <a:r>
+              <a:rPr lang="en-US" dirty="0"/>
+              <a:t>, no </a:t>
+            </a:r>
+            <a:r>
+              <a:rPr lang="en-US" dirty="0" err="1"/>
+              <a:t>tieto</a:t>
+            </a:r>
+            <a:r>
+              <a:rPr lang="en-US" dirty="0"/>
+              <a:t> </a:t>
+            </a:r>
+            <a:r>
+              <a:rPr lang="en-US" dirty="0" err="1"/>
+              <a:t>siete</a:t>
+            </a:r>
+            <a:r>
+              <a:rPr lang="en-US" dirty="0"/>
+              <a:t> </a:t>
+            </a:r>
+            <a:r>
+              <a:rPr lang="en-US" dirty="0" err="1"/>
+              <a:t>taktiez</a:t>
+            </a:r>
+            <a:r>
+              <a:rPr lang="en-US" dirty="0"/>
+              <a:t> </a:t>
+            </a:r>
+            <a:r>
+              <a:rPr lang="en-US" dirty="0" err="1"/>
+              <a:t>nedosiahli</a:t>
+            </a:r>
+            <a:r>
+              <a:rPr lang="en-US" dirty="0"/>
+              <a:t> </a:t>
+            </a:r>
+            <a:r>
+              <a:rPr lang="en-US" dirty="0" err="1"/>
+              <a:t>lepsie</a:t>
+            </a:r>
+            <a:r>
+              <a:rPr lang="en-US" dirty="0"/>
+              <a:t> </a:t>
+            </a:r>
+            <a:r>
+              <a:rPr lang="en-US" dirty="0" err="1"/>
+              <a:t>vysledky</a:t>
+            </a:r>
+            <a:r>
+              <a:rPr lang="en-US" dirty="0"/>
+              <a:t> </a:t>
+            </a:r>
+            <a:r>
+              <a:rPr lang="en-US" dirty="0" err="1"/>
+              <a:t>ako</a:t>
+            </a:r>
+            <a:r>
+              <a:rPr lang="en-US" dirty="0"/>
+              <a:t> </a:t>
+            </a:r>
+            <a:r>
+              <a:rPr lang="en-US" dirty="0" err="1"/>
+              <a:t>unet</a:t>
+            </a:r>
+            <a:r>
+              <a:rPr lang="en-US" dirty="0"/>
+              <a:t> ( to bolo </a:t>
+            </a:r>
+            <a:r>
+              <a:rPr lang="en-US" dirty="0" err="1"/>
+              <a:t>okolo</a:t>
+            </a:r>
+            <a:r>
+              <a:rPr lang="en-US" dirty="0"/>
+              <a:t> 80% </a:t>
+            </a:r>
+            <a:r>
+              <a:rPr lang="en-US" dirty="0" err="1"/>
+              <a:t>ostatne</a:t>
+            </a:r>
+            <a:r>
+              <a:rPr lang="en-US" dirty="0"/>
+              <a:t> </a:t>
+            </a:r>
+            <a:r>
+              <a:rPr lang="en-US" dirty="0" err="1"/>
+              <a:t>mali</a:t>
+            </a:r>
+            <a:r>
+              <a:rPr lang="en-US" dirty="0"/>
+              <a:t> pod 75%)</a:t>
+            </a:r>
+          </a:p>
+          <a:p>
+            <a:endParaRPr lang="en-US" dirty="0"/>
+          </a:p>
+          <a:p>
+            <a:r>
+              <a:rPr lang="en-US" dirty="0"/>
+              <a:t>V best result </a:t>
+            </a:r>
+            <a:r>
+              <a:rPr lang="en-US" dirty="0" err="1"/>
+              <a:t>mozete</a:t>
+            </a:r>
+            <a:r>
+              <a:rPr lang="en-US" dirty="0"/>
+              <a:t> </a:t>
+            </a:r>
+            <a:r>
+              <a:rPr lang="en-US" dirty="0" err="1"/>
+              <a:t>vidiet</a:t>
+            </a:r>
+            <a:r>
+              <a:rPr lang="en-US" dirty="0"/>
+              <a:t> </a:t>
+            </a:r>
+            <a:r>
+              <a:rPr lang="en-US" dirty="0" err="1"/>
+              <a:t>variantyy</a:t>
+            </a:r>
+            <a:r>
+              <a:rPr lang="en-US" dirty="0"/>
+              <a:t> </a:t>
+            </a:r>
+            <a:r>
+              <a:rPr lang="en-US" dirty="0" err="1"/>
+              <a:t>ktore</a:t>
+            </a:r>
+            <a:r>
+              <a:rPr lang="en-US" dirty="0"/>
+              <a:t> </a:t>
+            </a:r>
+            <a:r>
+              <a:rPr lang="en-US" dirty="0" err="1"/>
+              <a:t>su</a:t>
+            </a:r>
+            <a:r>
+              <a:rPr lang="en-US" dirty="0"/>
+              <a:t> </a:t>
+            </a:r>
+            <a:r>
+              <a:rPr lang="en-US" dirty="0" err="1"/>
+              <a:t>skusali</a:t>
+            </a:r>
+            <a:r>
+              <a:rPr lang="en-US" dirty="0"/>
+              <a:t> pre </a:t>
+            </a:r>
+            <a:r>
+              <a:rPr lang="en-US" dirty="0" err="1"/>
+              <a:t>jednotlive</a:t>
+            </a:r>
+            <a:r>
+              <a:rPr lang="en-US" dirty="0"/>
+              <a:t> </a:t>
+            </a:r>
+            <a:r>
+              <a:rPr lang="en-US" dirty="0" err="1"/>
+              <a:t>pristupy</a:t>
+            </a:r>
+            <a:r>
+              <a:rPr lang="en-US" dirty="0"/>
+              <a:t>. </a:t>
+            </a:r>
+            <a:r>
+              <a:rPr lang="en-US" dirty="0" err="1"/>
+              <a:t>Pricom</a:t>
+            </a:r>
+            <a:r>
+              <a:rPr lang="en-US" dirty="0"/>
+              <a:t> </a:t>
+            </a:r>
+            <a:r>
+              <a:rPr lang="en-US" dirty="0" err="1"/>
+              <a:t>ako</a:t>
+            </a:r>
+            <a:r>
+              <a:rPr lang="en-US" dirty="0"/>
+              <a:t> </a:t>
+            </a:r>
+            <a:r>
+              <a:rPr lang="en-US" dirty="0" err="1"/>
+              <a:t>mozte</a:t>
+            </a:r>
+            <a:r>
+              <a:rPr lang="en-US" dirty="0"/>
+              <a:t> </a:t>
+            </a:r>
+            <a:r>
+              <a:rPr lang="en-US" dirty="0" err="1"/>
+              <a:t>vidiet</a:t>
+            </a:r>
+            <a:r>
+              <a:rPr lang="en-US" dirty="0"/>
+              <a:t> v </a:t>
+            </a:r>
+            <a:r>
+              <a:rPr lang="en-US" dirty="0" err="1"/>
+              <a:t>tabulke</a:t>
+            </a:r>
+            <a:r>
+              <a:rPr lang="en-US" dirty="0"/>
+              <a:t>, </a:t>
+            </a:r>
+            <a:r>
+              <a:rPr lang="en-US" dirty="0" err="1"/>
+              <a:t>najlepsie</a:t>
+            </a:r>
+            <a:r>
+              <a:rPr lang="en-US" dirty="0"/>
+              <a:t> </a:t>
+            </a:r>
+            <a:r>
+              <a:rPr lang="en-US" dirty="0" err="1"/>
+              <a:t>vysledky</a:t>
+            </a:r>
+            <a:r>
+              <a:rPr lang="en-US" dirty="0"/>
+              <a:t> </a:t>
+            </a:r>
+            <a:r>
+              <a:rPr lang="en-US" dirty="0" err="1"/>
+              <a:t>dosiahol</a:t>
+            </a:r>
+            <a:r>
+              <a:rPr lang="en-US" dirty="0"/>
+              <a:t> </a:t>
+            </a:r>
+            <a:r>
+              <a:rPr lang="en-US" dirty="0" err="1"/>
+              <a:t>pristup</a:t>
+            </a:r>
+            <a:r>
+              <a:rPr lang="en-US" dirty="0"/>
+              <a:t> </a:t>
+            </a:r>
+            <a:r>
+              <a:rPr lang="en-US" dirty="0" err="1"/>
+              <a:t>gaborove</a:t>
+            </a:r>
+            <a:r>
+              <a:rPr lang="en-US" dirty="0"/>
+              <a:t> </a:t>
+            </a:r>
+            <a:r>
+              <a:rPr lang="en-US" dirty="0" err="1"/>
+              <a:t>filtre</a:t>
+            </a:r>
+            <a:r>
+              <a:rPr lang="en-US" dirty="0"/>
+              <a:t> s </a:t>
+            </a:r>
+            <a:r>
+              <a:rPr lang="en-US" dirty="0" err="1"/>
+              <a:t>kombinaciou</a:t>
+            </a:r>
+            <a:r>
+              <a:rPr lang="en-US" dirty="0"/>
+              <a:t> </a:t>
+            </a:r>
+            <a:r>
+              <a:rPr lang="en-US" dirty="0" err="1"/>
+              <a:t>velkost</a:t>
+            </a:r>
+            <a:r>
+              <a:rPr lang="en-US" dirty="0"/>
+              <a:t> </a:t>
+            </a:r>
+            <a:r>
+              <a:rPr lang="en-US" dirty="0" err="1"/>
+              <a:t>filtrov</a:t>
+            </a:r>
+            <a:r>
+              <a:rPr lang="en-US" dirty="0"/>
+              <a:t> 7x7 a </a:t>
+            </a:r>
+            <a:r>
+              <a:rPr lang="en-US" dirty="0" err="1"/>
+              <a:t>pocet</a:t>
+            </a:r>
+            <a:r>
+              <a:rPr lang="en-US" dirty="0"/>
+              <a:t> </a:t>
+            </a:r>
+            <a:r>
+              <a:rPr lang="en-US" dirty="0" err="1"/>
+              <a:t>filtrov</a:t>
+            </a:r>
+            <a:r>
+              <a:rPr lang="en-US" dirty="0"/>
+              <a:t> 32, </a:t>
+            </a:r>
+            <a:r>
+              <a:rPr lang="en-US" dirty="0" err="1"/>
+              <a:t>pricom</a:t>
+            </a:r>
+            <a:r>
+              <a:rPr lang="en-US" dirty="0"/>
+              <a:t> </a:t>
+            </a:r>
+            <a:r>
+              <a:rPr lang="en-US" dirty="0" err="1"/>
+              <a:t>presnost</a:t>
+            </a:r>
+            <a:r>
+              <a:rPr lang="en-US" dirty="0"/>
+              <a:t> </a:t>
+            </a:r>
+            <a:r>
+              <a:rPr lang="en-US" dirty="0" err="1"/>
+              <a:t>tohto</a:t>
+            </a:r>
+            <a:r>
+              <a:rPr lang="en-US" dirty="0"/>
+              <a:t> </a:t>
+            </a:r>
+            <a:r>
+              <a:rPr lang="en-US" dirty="0" err="1"/>
+              <a:t>modela</a:t>
+            </a:r>
+            <a:r>
+              <a:rPr lang="en-US" dirty="0"/>
+              <a:t>, </a:t>
+            </a:r>
+            <a:r>
+              <a:rPr lang="en-US" dirty="0" err="1"/>
+              <a:t>sa</a:t>
+            </a:r>
+            <a:r>
+              <a:rPr lang="en-US" dirty="0"/>
+              <a:t> od </a:t>
+            </a:r>
+            <a:r>
+              <a:rPr lang="en-US" dirty="0" err="1"/>
+              <a:t>ostatnych</a:t>
+            </a:r>
+            <a:r>
+              <a:rPr lang="en-US" dirty="0"/>
+              <a:t> (</a:t>
+            </a:r>
+            <a:r>
+              <a:rPr lang="en-US" dirty="0" err="1"/>
+              <a:t>backpro</a:t>
+            </a:r>
+            <a:r>
+              <a:rPr lang="en-US" dirty="0"/>
+              <a:t>) </a:t>
+            </a:r>
+            <a:r>
+              <a:rPr lang="en-US" dirty="0" err="1"/>
+              <a:t>velmi</a:t>
+            </a:r>
+            <a:r>
+              <a:rPr lang="en-US" dirty="0"/>
+              <a:t> </a:t>
+            </a:r>
+            <a:r>
+              <a:rPr lang="en-US" dirty="0" err="1"/>
+              <a:t>nelisila</a:t>
+            </a:r>
+            <a:r>
+              <a:rPr lang="en-US" dirty="0"/>
+              <a:t> </a:t>
+            </a:r>
+            <a:r>
+              <a:rPr lang="en-US" dirty="0" err="1"/>
+              <a:t>len</a:t>
+            </a:r>
+            <a:r>
+              <a:rPr lang="en-US" dirty="0"/>
+              <a:t> v </a:t>
+            </a:r>
+            <a:r>
+              <a:rPr lang="en-US" dirty="0" err="1"/>
+              <a:t>desatinnych</a:t>
+            </a:r>
+            <a:r>
+              <a:rPr lang="en-US" dirty="0"/>
+              <a:t> </a:t>
+            </a:r>
+            <a:r>
+              <a:rPr lang="en-US" dirty="0" err="1"/>
+              <a:t>miestach</a:t>
+            </a:r>
+            <a:r>
+              <a:rPr lang="en-US" dirty="0"/>
+              <a:t>. Co </a:t>
+            </a:r>
+            <a:r>
+              <a:rPr lang="en-US" dirty="0" err="1"/>
+              <a:t>sa</a:t>
+            </a:r>
+            <a:r>
+              <a:rPr lang="en-US" dirty="0"/>
+              <a:t> </a:t>
+            </a:r>
+            <a:r>
+              <a:rPr lang="en-US" dirty="0" err="1"/>
+              <a:t>tyyka</a:t>
+            </a:r>
+            <a:r>
+              <a:rPr lang="en-US" dirty="0"/>
+              <a:t> </a:t>
+            </a:r>
+            <a:r>
+              <a:rPr lang="en-US" dirty="0" err="1"/>
+              <a:t>ostatnych</a:t>
+            </a:r>
+            <a:r>
+              <a:rPr lang="en-US" dirty="0"/>
+              <a:t> </a:t>
+            </a:r>
+            <a:r>
+              <a:rPr lang="en-US" dirty="0" err="1"/>
+              <a:t>pristupov</a:t>
+            </a:r>
+            <a:r>
+              <a:rPr lang="en-US" dirty="0"/>
+              <a:t> back a auto </a:t>
+            </a:r>
+            <a:r>
+              <a:rPr lang="en-US" dirty="0" err="1"/>
+              <a:t>dosiahli</a:t>
+            </a:r>
+            <a:r>
+              <a:rPr lang="en-US" dirty="0"/>
+              <a:t> </a:t>
+            </a:r>
+            <a:r>
+              <a:rPr lang="en-US" dirty="0" err="1"/>
+              <a:t>najlepsie</a:t>
+            </a:r>
+            <a:r>
+              <a:rPr lang="en-US" dirty="0"/>
+              <a:t> </a:t>
+            </a:r>
+            <a:r>
+              <a:rPr lang="en-US" dirty="0" err="1"/>
+              <a:t>vysledky</a:t>
+            </a:r>
+            <a:r>
+              <a:rPr lang="en-US" dirty="0"/>
+              <a:t> v </a:t>
+            </a:r>
+            <a:r>
+              <a:rPr lang="en-US" dirty="0" err="1"/>
+              <a:t>kombinanci</a:t>
+            </a:r>
+            <a:r>
+              <a:rPr lang="en-US" dirty="0"/>
+              <a:t> 5x5 </a:t>
+            </a:r>
+            <a:r>
+              <a:rPr lang="en-US" dirty="0" err="1"/>
+              <a:t>velksot</a:t>
+            </a:r>
+            <a:r>
+              <a:rPr lang="en-US" dirty="0"/>
+              <a:t> </a:t>
+            </a:r>
+            <a:r>
+              <a:rPr lang="en-US" dirty="0" err="1"/>
+              <a:t>fitlrov</a:t>
+            </a:r>
+            <a:r>
+              <a:rPr lang="en-US" dirty="0"/>
+              <a:t> a </a:t>
+            </a:r>
+            <a:r>
+              <a:rPr lang="en-US" dirty="0" err="1"/>
+              <a:t>pocet</a:t>
+            </a:r>
+            <a:r>
+              <a:rPr lang="en-US" dirty="0"/>
+              <a:t> </a:t>
+            </a:r>
+            <a:r>
+              <a:rPr lang="en-US" dirty="0" err="1"/>
+              <a:t>filtrov</a:t>
+            </a:r>
+            <a:r>
+              <a:rPr lang="en-US" dirty="0"/>
+              <a:t> 32 a 64. </a:t>
+            </a:r>
+            <a:r>
+              <a:rPr lang="en-US" dirty="0" err="1"/>
+              <a:t>Ostatne</a:t>
+            </a:r>
+            <a:r>
+              <a:rPr lang="en-US" dirty="0"/>
+              <a:t> </a:t>
+            </a:r>
+            <a:r>
+              <a:rPr lang="en-US" dirty="0" err="1"/>
+              <a:t>vysledky</a:t>
+            </a:r>
+            <a:r>
+              <a:rPr lang="en-US" dirty="0"/>
+              <a:t> </a:t>
+            </a:r>
+            <a:r>
+              <a:rPr lang="en-US" dirty="0" err="1"/>
+              <a:t>testovanych</a:t>
+            </a:r>
+            <a:r>
+              <a:rPr lang="en-US" dirty="0"/>
+              <a:t> variant </a:t>
+            </a:r>
+            <a:r>
+              <a:rPr lang="en-US" dirty="0" err="1"/>
+              <a:t>sa</a:t>
+            </a:r>
+            <a:r>
+              <a:rPr lang="en-US" dirty="0"/>
+              <a:t> </a:t>
+            </a:r>
+            <a:r>
+              <a:rPr lang="en-US" dirty="0" err="1"/>
+              <a:t>mozte</a:t>
+            </a:r>
+            <a:r>
+              <a:rPr lang="en-US" dirty="0"/>
+              <a:t> </a:t>
+            </a:r>
+            <a:r>
+              <a:rPr lang="en-US" dirty="0" err="1"/>
+              <a:t>najst</a:t>
+            </a:r>
+            <a:r>
+              <a:rPr lang="en-US" dirty="0"/>
+              <a:t> v </a:t>
+            </a:r>
+            <a:r>
+              <a:rPr lang="en-US" dirty="0" err="1"/>
+              <a:t>mojom</a:t>
+            </a:r>
+            <a:r>
+              <a:rPr lang="en-US" dirty="0"/>
+              <a:t> </a:t>
+            </a:r>
+            <a:r>
+              <a:rPr lang="en-US" dirty="0" err="1"/>
+              <a:t>clanku</a:t>
+            </a:r>
+            <a:r>
+              <a:rPr lang="en-US" dirty="0"/>
+              <a:t>.  V </a:t>
+            </a:r>
+            <a:r>
+              <a:rPr lang="en-US" dirty="0" err="1"/>
+              <a:t>sekci</a:t>
+            </a:r>
+            <a:r>
+              <a:rPr lang="en-US" dirty="0"/>
+              <a:t> kernel examples </a:t>
+            </a:r>
+            <a:r>
+              <a:rPr lang="en-US" dirty="0" err="1"/>
+              <a:t>mozte</a:t>
+            </a:r>
+            <a:r>
+              <a:rPr lang="en-US" dirty="0"/>
+              <a:t> </a:t>
+            </a:r>
+            <a:r>
+              <a:rPr lang="en-US" dirty="0" err="1"/>
+              <a:t>vidiet</a:t>
+            </a:r>
+            <a:r>
+              <a:rPr lang="en-US" dirty="0"/>
+              <a:t> </a:t>
+            </a:r>
+            <a:r>
+              <a:rPr lang="en-US" dirty="0" err="1"/>
+              <a:t>vizualizacie</a:t>
+            </a:r>
+            <a:r>
+              <a:rPr lang="en-US" dirty="0"/>
+              <a:t> </a:t>
+            </a:r>
+            <a:r>
+              <a:rPr lang="en-US" dirty="0" err="1"/>
+              <a:t>filtrov</a:t>
+            </a:r>
+            <a:r>
+              <a:rPr lang="en-US" dirty="0"/>
+              <a:t> </a:t>
+            </a:r>
+            <a:r>
+              <a:rPr lang="en-US" dirty="0" err="1"/>
+              <a:t>na</a:t>
+            </a:r>
+            <a:r>
+              <a:rPr lang="en-US" dirty="0"/>
+              <a:t> </a:t>
+            </a:r>
+            <a:r>
+              <a:rPr lang="en-US" dirty="0" err="1"/>
+              <a:t>prvych</a:t>
+            </a:r>
+            <a:r>
+              <a:rPr lang="en-US" dirty="0"/>
+              <a:t> </a:t>
+            </a:r>
+            <a:r>
+              <a:rPr lang="en-US" dirty="0" err="1"/>
+              <a:t>vrstvach</a:t>
+            </a:r>
+            <a:r>
+              <a:rPr lang="en-US" dirty="0"/>
+              <a:t> pre </a:t>
+            </a:r>
+            <a:r>
+              <a:rPr lang="en-US" dirty="0" err="1"/>
+              <a:t>jednotlive</a:t>
+            </a:r>
+            <a:r>
+              <a:rPr lang="en-US" dirty="0"/>
+              <a:t> </a:t>
+            </a:r>
+            <a:r>
+              <a:rPr lang="en-US" dirty="0" err="1"/>
+              <a:t>pristupy</a:t>
+            </a:r>
+            <a:r>
+              <a:rPr lang="en-US" dirty="0"/>
+              <a:t>, </a:t>
+            </a:r>
+            <a:r>
+              <a:rPr lang="en-US" dirty="0" err="1"/>
+              <a:t>chybaju</a:t>
+            </a:r>
+            <a:r>
+              <a:rPr lang="en-US" dirty="0"/>
+              <a:t> tam </a:t>
+            </a:r>
+            <a:r>
+              <a:rPr lang="en-US" dirty="0" err="1"/>
+              <a:t>vizualizacie</a:t>
+            </a:r>
+            <a:r>
+              <a:rPr lang="en-US" dirty="0"/>
+              <a:t> transfer learning </a:t>
+            </a:r>
+            <a:r>
+              <a:rPr lang="en-US" dirty="0" err="1"/>
+              <a:t>pristupu</a:t>
+            </a:r>
+            <a:r>
+              <a:rPr lang="en-US" dirty="0"/>
+              <a:t>, ale </a:t>
+            </a:r>
+            <a:r>
+              <a:rPr lang="en-US" dirty="0" err="1"/>
+              <a:t>kedze</a:t>
+            </a:r>
+            <a:r>
+              <a:rPr lang="en-US" dirty="0"/>
+              <a:t> </a:t>
+            </a:r>
+            <a:r>
+              <a:rPr lang="en-US" dirty="0" err="1"/>
+              <a:t>tento</a:t>
+            </a:r>
+            <a:r>
+              <a:rPr lang="en-US" dirty="0"/>
+              <a:t>  “</a:t>
+            </a:r>
+            <a:r>
+              <a:rPr lang="en-US" dirty="0" err="1"/>
+              <a:t>pristup</a:t>
+            </a:r>
+            <a:r>
+              <a:rPr lang="en-US" dirty="0"/>
+              <a:t>” </a:t>
+            </a:r>
+            <a:r>
+              <a:rPr lang="en-US" dirty="0" err="1"/>
+              <a:t>pouziva</a:t>
+            </a:r>
+            <a:r>
+              <a:rPr lang="en-US" dirty="0"/>
+              <a:t> backpropagation </a:t>
+            </a:r>
+            <a:r>
+              <a:rPr lang="en-US" dirty="0" err="1"/>
+              <a:t>na</a:t>
+            </a:r>
+            <a:r>
+              <a:rPr lang="en-US" dirty="0"/>
+              <a:t> </a:t>
+            </a:r>
+            <a:r>
+              <a:rPr lang="en-US" dirty="0" err="1"/>
+              <a:t>tvorenie</a:t>
+            </a:r>
+            <a:r>
+              <a:rPr lang="en-US" dirty="0"/>
+              <a:t> </a:t>
+            </a:r>
+            <a:r>
+              <a:rPr lang="en-US" dirty="0" err="1"/>
+              <a:t>filtrov</a:t>
+            </a:r>
+            <a:r>
+              <a:rPr lang="en-US" dirty="0"/>
+              <a:t>, </a:t>
+            </a:r>
+            <a:r>
+              <a:rPr lang="en-US" dirty="0" err="1"/>
+              <a:t>su</a:t>
+            </a:r>
+            <a:r>
+              <a:rPr lang="en-US" dirty="0"/>
+              <a:t> </a:t>
+            </a:r>
+            <a:r>
+              <a:rPr lang="en-US" dirty="0" err="1"/>
+              <a:t>jej</a:t>
+            </a:r>
+            <a:r>
+              <a:rPr lang="en-US" dirty="0"/>
+              <a:t> </a:t>
+            </a:r>
+            <a:r>
+              <a:rPr lang="en-US" dirty="0" err="1"/>
+              <a:t>filtre</a:t>
+            </a:r>
+            <a:r>
+              <a:rPr lang="en-US" dirty="0"/>
+              <a:t> dost </a:t>
+            </a:r>
+            <a:r>
+              <a:rPr lang="en-US" dirty="0" err="1"/>
+              <a:t>podobne</a:t>
+            </a:r>
+            <a:r>
+              <a:rPr lang="en-US" dirty="0"/>
+              <a:t> k </a:t>
+            </a:r>
+            <a:r>
+              <a:rPr lang="en-US" dirty="0" err="1"/>
+              <a:t>backprogation</a:t>
+            </a:r>
+            <a:r>
+              <a:rPr lang="en-US" dirty="0"/>
+              <a:t> </a:t>
+            </a:r>
+            <a:r>
+              <a:rPr lang="en-US" dirty="0" err="1"/>
+              <a:t>pristupu</a:t>
+            </a:r>
+            <a:r>
+              <a:rPr lang="en-US" dirty="0"/>
+              <a:t>. . </a:t>
+            </a:r>
+            <a:r>
+              <a:rPr lang="en-US" dirty="0" err="1"/>
+              <a:t>Vsetky</a:t>
+            </a:r>
+            <a:r>
+              <a:rPr lang="en-US" dirty="0"/>
+              <a:t> </a:t>
+            </a:r>
+            <a:r>
+              <a:rPr lang="en-US" dirty="0" err="1"/>
+              <a:t>tieto</a:t>
+            </a:r>
+            <a:r>
+              <a:rPr lang="en-US" dirty="0"/>
+              <a:t> </a:t>
+            </a:r>
+            <a:r>
+              <a:rPr lang="en-US" dirty="0" err="1"/>
+              <a:t>filtre</a:t>
+            </a:r>
+            <a:r>
+              <a:rPr lang="en-US" dirty="0"/>
+              <a:t> </a:t>
+            </a:r>
+            <a:r>
+              <a:rPr lang="en-US" dirty="0" err="1"/>
+              <a:t>boli</a:t>
+            </a:r>
+            <a:r>
+              <a:rPr lang="en-US" dirty="0"/>
+              <a:t> brane z </a:t>
+            </a:r>
+            <a:r>
+              <a:rPr lang="en-US" dirty="0" err="1"/>
+              <a:t>uplne</a:t>
+            </a:r>
+            <a:r>
+              <a:rPr lang="en-US" dirty="0"/>
+              <a:t> </a:t>
+            </a:r>
+            <a:r>
+              <a:rPr lang="en-US" dirty="0" err="1"/>
+              <a:t>prvych</a:t>
+            </a:r>
+            <a:r>
+              <a:rPr lang="en-US" dirty="0"/>
+              <a:t> </a:t>
+            </a:r>
+            <a:r>
+              <a:rPr lang="en-US" dirty="0" err="1"/>
+              <a:t>vrstiev</a:t>
+            </a:r>
+            <a:r>
+              <a:rPr lang="en-US" dirty="0"/>
+              <a:t> </a:t>
+            </a:r>
+            <a:r>
+              <a:rPr lang="en-US" dirty="0" err="1"/>
+              <a:t>jednotlivych</a:t>
+            </a:r>
+            <a:r>
+              <a:rPr lang="en-US" dirty="0"/>
+              <a:t> </a:t>
+            </a:r>
+            <a:r>
+              <a:rPr lang="en-US" dirty="0" err="1"/>
+              <a:t>pristupov</a:t>
+            </a:r>
+            <a:r>
+              <a:rPr lang="en-US" dirty="0"/>
+              <a:t>. </a:t>
+            </a:r>
+            <a:r>
+              <a:rPr lang="en-US" dirty="0" err="1"/>
+              <a:t>Vysledky</a:t>
+            </a:r>
+            <a:r>
+              <a:rPr lang="en-US" dirty="0"/>
+              <a:t> </a:t>
+            </a:r>
+            <a:r>
+              <a:rPr lang="en-US" dirty="0" err="1"/>
+              <a:t>ktore</a:t>
+            </a:r>
+            <a:r>
+              <a:rPr lang="en-US" dirty="0"/>
+              <a:t> </a:t>
+            </a:r>
+            <a:r>
+              <a:rPr lang="en-US" dirty="0" err="1"/>
+              <a:t>mozte</a:t>
+            </a:r>
+            <a:r>
+              <a:rPr lang="en-US" dirty="0"/>
+              <a:t> </a:t>
+            </a:r>
+            <a:r>
+              <a:rPr lang="en-US" dirty="0" err="1"/>
+              <a:t>videit</a:t>
+            </a:r>
+            <a:r>
+              <a:rPr lang="en-US" dirty="0"/>
+              <a:t> </a:t>
+            </a:r>
+            <a:r>
+              <a:rPr lang="en-US" dirty="0" err="1"/>
+              <a:t>na</a:t>
+            </a:r>
+            <a:r>
+              <a:rPr lang="en-US" dirty="0"/>
+              <a:t> v </a:t>
+            </a:r>
+            <a:r>
+              <a:rPr lang="en-US" dirty="0" err="1"/>
+              <a:t>tabulke</a:t>
+            </a:r>
+            <a:r>
+              <a:rPr lang="en-US" dirty="0"/>
+              <a:t> a </a:t>
+            </a:r>
+            <a:r>
+              <a:rPr lang="en-US" dirty="0" err="1"/>
+              <a:t>ktore</a:t>
+            </a:r>
+            <a:r>
+              <a:rPr lang="en-US" dirty="0"/>
+              <a:t> </a:t>
+            </a:r>
+            <a:r>
+              <a:rPr lang="en-US" dirty="0" err="1"/>
+              <a:t>sa</a:t>
+            </a:r>
+            <a:r>
+              <a:rPr lang="en-US" dirty="0"/>
+              <a:t> </a:t>
+            </a:r>
+            <a:r>
+              <a:rPr lang="en-US" dirty="0" err="1"/>
+              <a:t>nachadzaju</a:t>
+            </a:r>
+            <a:r>
+              <a:rPr lang="en-US" dirty="0"/>
+              <a:t> v </a:t>
+            </a:r>
+            <a:r>
+              <a:rPr lang="en-US" dirty="0" err="1"/>
+              <a:t>clanku</a:t>
+            </a:r>
+            <a:r>
+              <a:rPr lang="en-US" dirty="0"/>
+              <a:t> </a:t>
+            </a:r>
+            <a:r>
+              <a:rPr lang="en-US" dirty="0" err="1"/>
+              <a:t>su</a:t>
+            </a:r>
+            <a:r>
+              <a:rPr lang="en-US" dirty="0"/>
+              <a:t> </a:t>
+            </a:r>
+            <a:r>
+              <a:rPr lang="en-US" dirty="0" err="1"/>
+              <a:t>vykonavane</a:t>
+            </a:r>
+            <a:r>
+              <a:rPr lang="en-US" dirty="0"/>
+              <a:t> </a:t>
+            </a:r>
+            <a:r>
+              <a:rPr lang="en-US" dirty="0" err="1"/>
+              <a:t>nad</a:t>
+            </a:r>
+            <a:r>
+              <a:rPr lang="en-US" dirty="0"/>
+              <a:t> </a:t>
+            </a:r>
+            <a:r>
+              <a:rPr lang="en-US" dirty="0" err="1"/>
+              <a:t>datatmi</a:t>
+            </a:r>
+            <a:r>
+              <a:rPr lang="en-US" dirty="0"/>
+              <a:t> </a:t>
+            </a:r>
+            <a:r>
+              <a:rPr lang="en-US" dirty="0" err="1"/>
+              <a:t>ktore</a:t>
+            </a:r>
+            <a:r>
+              <a:rPr lang="en-US" dirty="0"/>
+              <a:t> </a:t>
+            </a:r>
+            <a:r>
+              <a:rPr lang="en-US" dirty="0" err="1"/>
+              <a:t>siet</a:t>
+            </a:r>
+            <a:r>
+              <a:rPr lang="en-US" dirty="0"/>
+              <a:t> </a:t>
+            </a:r>
+            <a:r>
+              <a:rPr lang="en-US" dirty="0" err="1"/>
+              <a:t>pri</a:t>
+            </a:r>
+            <a:r>
+              <a:rPr lang="en-US" dirty="0"/>
+              <a:t> </a:t>
+            </a:r>
+            <a:r>
+              <a:rPr lang="en-US" dirty="0" err="1"/>
+              <a:t>uceni</a:t>
+            </a:r>
+            <a:r>
+              <a:rPr lang="en-US" dirty="0"/>
+              <a:t> </a:t>
+            </a:r>
+            <a:r>
+              <a:rPr lang="en-US" dirty="0" err="1"/>
+              <a:t>nevidela</a:t>
+            </a:r>
+            <a:r>
+              <a:rPr lang="en-US" dirty="0"/>
+              <a:t>. </a:t>
+            </a:r>
+            <a:r>
+              <a:rPr lang="en-US" dirty="0" err="1"/>
+              <a:t>Taktiez</a:t>
+            </a:r>
+            <a:r>
+              <a:rPr lang="en-US" dirty="0"/>
+              <a:t> </a:t>
+            </a:r>
+            <a:r>
+              <a:rPr lang="en-US" dirty="0" err="1"/>
+              <a:t>sme</a:t>
+            </a:r>
+            <a:r>
+              <a:rPr lang="en-US" dirty="0"/>
+              <a:t> </a:t>
+            </a:r>
+            <a:r>
+              <a:rPr lang="en-US" dirty="0" err="1"/>
+              <a:t>pouzili</a:t>
+            </a:r>
+            <a:r>
+              <a:rPr lang="en-US" dirty="0"/>
+              <a:t> </a:t>
+            </a:r>
+            <a:r>
+              <a:rPr lang="en-US" dirty="0" err="1"/>
+              <a:t>viacere</a:t>
+            </a:r>
+            <a:r>
+              <a:rPr lang="en-US" dirty="0"/>
+              <a:t> </a:t>
+            </a:r>
+            <a:r>
+              <a:rPr lang="en-US" dirty="0" err="1"/>
+              <a:t>metriky</a:t>
+            </a:r>
+            <a:r>
+              <a:rPr lang="en-US" dirty="0"/>
+              <a:t> </a:t>
+            </a:r>
+            <a:r>
+              <a:rPr lang="en-US" dirty="0" err="1"/>
+              <a:t>na</a:t>
+            </a:r>
+            <a:r>
+              <a:rPr lang="en-US" dirty="0"/>
+              <a:t> </a:t>
+            </a:r>
+            <a:r>
+              <a:rPr lang="en-US" dirty="0" err="1"/>
+              <a:t>porovnanie</a:t>
+            </a:r>
+            <a:r>
+              <a:rPr lang="en-US" dirty="0"/>
+              <a:t> </a:t>
+            </a:r>
+            <a:r>
+              <a:rPr lang="en-US" dirty="0" err="1"/>
+              <a:t>vysledkov</a:t>
+            </a:r>
+            <a:r>
+              <a:rPr lang="en-US" dirty="0"/>
+              <a:t>, </a:t>
+            </a:r>
+            <a:r>
+              <a:rPr lang="en-US" dirty="0" err="1"/>
+              <a:t>metriky</a:t>
+            </a:r>
+            <a:r>
+              <a:rPr lang="en-US" dirty="0"/>
+              <a:t> </a:t>
+            </a:r>
+            <a:r>
+              <a:rPr lang="en-US" dirty="0" err="1"/>
+              <a:t>ako</a:t>
+            </a:r>
+            <a:r>
+              <a:rPr lang="en-US" dirty="0"/>
+              <a:t> precision </a:t>
+            </a:r>
+            <a:r>
+              <a:rPr lang="en-US" dirty="0" err="1"/>
+              <a:t>presnost</a:t>
+            </a:r>
+            <a:r>
+              <a:rPr lang="en-US" dirty="0"/>
+              <a:t>, recall, f1_score.</a:t>
+            </a:r>
+          </a:p>
+          <a:p>
+            <a:endParaRPr lang="en-US" dirty="0"/>
+          </a:p>
+          <a:p>
+            <a:endParaRPr lang="en-US" dirty="0"/>
+          </a:p>
+          <a:p>
+            <a:r>
+              <a:rPr lang="en-US" dirty="0"/>
+              <a:t>V </a:t>
+            </a:r>
+            <a:r>
+              <a:rPr lang="en-US" dirty="0" err="1"/>
+              <a:t>priemere</a:t>
+            </a:r>
+            <a:r>
+              <a:rPr lang="en-US" dirty="0"/>
+              <a:t> backpropagation </a:t>
+            </a:r>
+            <a:r>
+              <a:rPr lang="en-US" dirty="0" err="1"/>
+              <a:t>dosahovalo</a:t>
+            </a:r>
+            <a:r>
+              <a:rPr lang="en-US" dirty="0"/>
+              <a:t> </a:t>
+            </a:r>
+            <a:r>
+              <a:rPr lang="en-US" dirty="0" err="1"/>
+              <a:t>najlepsie</a:t>
+            </a:r>
+            <a:r>
+              <a:rPr lang="en-US" dirty="0"/>
+              <a:t> </a:t>
+            </a:r>
+            <a:r>
+              <a:rPr lang="en-US" dirty="0" err="1"/>
+              <a:t>vysledky</a:t>
+            </a:r>
+            <a:r>
+              <a:rPr lang="en-US" dirty="0"/>
+              <a:t> pre </a:t>
+            </a:r>
+            <a:r>
+              <a:rPr lang="en-US" dirty="0" err="1"/>
+              <a:t>vsetky</a:t>
+            </a:r>
+            <a:r>
+              <a:rPr lang="en-US" dirty="0"/>
+              <a:t> </a:t>
+            </a:r>
+            <a:r>
+              <a:rPr lang="en-US" dirty="0" err="1"/>
+              <a:t>testoavane</a:t>
+            </a:r>
+            <a:r>
+              <a:rPr lang="en-US" dirty="0"/>
+              <a:t> </a:t>
+            </a:r>
+            <a:r>
+              <a:rPr lang="en-US" dirty="0" err="1"/>
+              <a:t>varianty</a:t>
+            </a:r>
+            <a:r>
+              <a:rPr lang="en-US" dirty="0"/>
+              <a:t> a </a:t>
+            </a:r>
+            <a:r>
+              <a:rPr lang="en-US" dirty="0" err="1"/>
+              <a:t>cas</a:t>
+            </a:r>
+            <a:r>
+              <a:rPr lang="en-US" dirty="0"/>
+              <a:t> </a:t>
+            </a:r>
+            <a:r>
+              <a:rPr lang="en-US" dirty="0" err="1"/>
+              <a:t>trenovania</a:t>
+            </a:r>
+            <a:r>
+              <a:rPr lang="en-US" dirty="0"/>
+              <a:t> </a:t>
+            </a:r>
+            <a:r>
+              <a:rPr lang="en-US" dirty="0" err="1"/>
+              <a:t>bol</a:t>
+            </a:r>
+            <a:r>
+              <a:rPr lang="en-US" dirty="0"/>
+              <a:t> </a:t>
+            </a:r>
+            <a:r>
+              <a:rPr lang="en-US" dirty="0" err="1"/>
+              <a:t>podstatne</a:t>
+            </a:r>
+            <a:r>
+              <a:rPr lang="en-US" dirty="0"/>
+              <a:t> </a:t>
+            </a:r>
+            <a:r>
+              <a:rPr lang="en-US" dirty="0" err="1"/>
+              <a:t>mensi</a:t>
+            </a:r>
+            <a:r>
+              <a:rPr lang="en-US" dirty="0"/>
+              <a:t> </a:t>
+            </a:r>
+            <a:r>
+              <a:rPr lang="en-US" dirty="0" err="1"/>
+              <a:t>pricom</a:t>
+            </a:r>
+            <a:r>
+              <a:rPr lang="en-US" dirty="0"/>
+              <a:t> </a:t>
+            </a:r>
+            <a:r>
+              <a:rPr lang="en-US" dirty="0" err="1"/>
+              <a:t>ako</a:t>
+            </a:r>
+            <a:r>
+              <a:rPr lang="en-US" dirty="0"/>
+              <a:t> </a:t>
+            </a:r>
+            <a:r>
+              <a:rPr lang="en-US" dirty="0" err="1"/>
+              <a:t>som</a:t>
+            </a:r>
+            <a:r>
+              <a:rPr lang="en-US" dirty="0"/>
+              <a:t> </a:t>
+            </a:r>
+            <a:r>
+              <a:rPr lang="en-US" dirty="0" err="1"/>
+              <a:t>spominal</a:t>
+            </a:r>
+            <a:r>
+              <a:rPr lang="en-US" dirty="0"/>
+              <a:t> </a:t>
+            </a:r>
+            <a:r>
+              <a:rPr lang="en-US" dirty="0" err="1"/>
+              <a:t>najlepsie</a:t>
+            </a:r>
+            <a:r>
+              <a:rPr lang="en-US" dirty="0"/>
+              <a:t> </a:t>
+            </a:r>
+            <a:r>
+              <a:rPr lang="en-US" dirty="0" err="1"/>
+              <a:t>vysledky</a:t>
+            </a:r>
+            <a:r>
+              <a:rPr lang="en-US" dirty="0"/>
+              <a:t> </a:t>
+            </a:r>
+            <a:r>
+              <a:rPr lang="en-US" dirty="0" err="1"/>
+              <a:t>boli</a:t>
+            </a:r>
+            <a:r>
+              <a:rPr lang="en-US" dirty="0"/>
+              <a:t> v </a:t>
+            </a:r>
+            <a:r>
+              <a:rPr lang="en-US" dirty="0" err="1"/>
+              <a:t>pristupe</a:t>
+            </a:r>
+            <a:r>
+              <a:rPr lang="en-US" dirty="0"/>
+              <a:t> </a:t>
+            </a:r>
+            <a:r>
+              <a:rPr lang="en-US" dirty="0" err="1"/>
+              <a:t>gaborove</a:t>
+            </a:r>
+            <a:r>
+              <a:rPr lang="en-US" dirty="0"/>
+              <a:t> </a:t>
+            </a:r>
+            <a:r>
+              <a:rPr lang="en-US" dirty="0" err="1"/>
+              <a:t>filtre</a:t>
+            </a:r>
+            <a:r>
+              <a:rPr lang="en-US" dirty="0"/>
+              <a:t> so </a:t>
+            </a:r>
+            <a:r>
+              <a:rPr lang="en-US" dirty="0" err="1"/>
+              <a:t>spominanou</a:t>
+            </a:r>
+            <a:r>
+              <a:rPr lang="en-US" dirty="0"/>
+              <a:t> </a:t>
+            </a:r>
+            <a:r>
+              <a:rPr lang="en-US" dirty="0" err="1"/>
+              <a:t>kombinaciou</a:t>
+            </a:r>
+            <a:r>
+              <a:rPr lang="en-US" dirty="0"/>
+              <a:t> a to 83,612%, ale </a:t>
+            </a:r>
+            <a:r>
+              <a:rPr lang="en-US" dirty="0" err="1"/>
+              <a:t>len</a:t>
+            </a:r>
+            <a:r>
+              <a:rPr lang="en-US" dirty="0"/>
+              <a:t> v </a:t>
+            </a:r>
+            <a:r>
+              <a:rPr lang="en-US" dirty="0" err="1"/>
+              <a:t>desatinnych</a:t>
+            </a:r>
+            <a:r>
+              <a:rPr lang="en-US" dirty="0"/>
+              <a:t> </a:t>
+            </a:r>
+            <a:r>
+              <a:rPr lang="en-US" dirty="0" err="1"/>
+              <a:t>miestach</a:t>
+            </a:r>
+            <a:r>
+              <a:rPr lang="en-US" dirty="0"/>
+              <a:t>. </a:t>
+            </a:r>
+            <a:r>
+              <a:rPr lang="en-US" dirty="0" err="1"/>
+              <a:t>Celkovo</a:t>
+            </a:r>
+            <a:r>
+              <a:rPr lang="en-US" dirty="0"/>
+              <a:t> </a:t>
+            </a:r>
+            <a:r>
+              <a:rPr lang="en-US" dirty="0" err="1"/>
+              <a:t>jednotlive</a:t>
+            </a:r>
+            <a:r>
+              <a:rPr lang="en-US" dirty="0"/>
+              <a:t> </a:t>
+            </a:r>
+            <a:r>
+              <a:rPr lang="en-US" dirty="0" err="1"/>
+              <a:t>pristupy</a:t>
+            </a:r>
+            <a:r>
+              <a:rPr lang="en-US" dirty="0"/>
+              <a:t> </a:t>
+            </a:r>
+            <a:r>
+              <a:rPr lang="en-US" dirty="0" err="1"/>
+              <a:t>dosahovali</a:t>
+            </a:r>
+            <a:r>
+              <a:rPr lang="en-US" dirty="0"/>
+              <a:t> dost </a:t>
+            </a:r>
+            <a:r>
+              <a:rPr lang="en-US" dirty="0" err="1"/>
+              <a:t>podobne</a:t>
+            </a:r>
+            <a:r>
+              <a:rPr lang="en-US" dirty="0"/>
+              <a:t> </a:t>
+            </a:r>
+            <a:r>
+              <a:rPr lang="en-US" dirty="0" err="1"/>
+              <a:t>vysledky</a:t>
+            </a:r>
+            <a:r>
+              <a:rPr lang="en-US" dirty="0"/>
+              <a:t>. </a:t>
+            </a:r>
+            <a:r>
+              <a:rPr lang="en-US" dirty="0" err="1"/>
+              <a:t>Najhorsie</a:t>
+            </a:r>
+            <a:r>
+              <a:rPr lang="en-US" dirty="0"/>
+              <a:t> </a:t>
+            </a:r>
+            <a:r>
+              <a:rPr lang="en-US" dirty="0" err="1"/>
+              <a:t>vysledky</a:t>
+            </a:r>
+            <a:r>
+              <a:rPr lang="en-US" dirty="0"/>
+              <a:t> </a:t>
+            </a:r>
+            <a:r>
+              <a:rPr lang="en-US" dirty="0" err="1"/>
+              <a:t>dosiahol</a:t>
+            </a:r>
+            <a:r>
+              <a:rPr lang="en-US" dirty="0"/>
+              <a:t> transfer learning a to %</a:t>
+            </a:r>
+          </a:p>
+          <a:p>
+            <a:r>
+              <a:rPr lang="en-US" dirty="0"/>
+              <a:t>Pre </a:t>
+            </a:r>
+            <a:r>
+              <a:rPr lang="en-US" dirty="0" err="1"/>
+              <a:t>lepsie</a:t>
+            </a:r>
+            <a:r>
+              <a:rPr lang="en-US" dirty="0"/>
+              <a:t> </a:t>
+            </a:r>
+            <a:r>
+              <a:rPr lang="en-US" dirty="0" err="1"/>
+              <a:t>porovnanie</a:t>
+            </a:r>
+            <a:r>
+              <a:rPr lang="en-US" dirty="0"/>
+              <a:t> </a:t>
+            </a:r>
+            <a:r>
+              <a:rPr lang="en-US" dirty="0" err="1"/>
+              <a:t>vysledkov</a:t>
+            </a:r>
+            <a:r>
+              <a:rPr lang="en-US" dirty="0"/>
+              <a:t> </a:t>
+            </a:r>
+            <a:r>
+              <a:rPr lang="en-US" dirty="0" err="1"/>
+              <a:t>sme</a:t>
+            </a:r>
+            <a:r>
+              <a:rPr lang="en-US" dirty="0"/>
+              <a:t> </a:t>
+            </a:r>
+            <a:r>
+              <a:rPr lang="en-US" dirty="0" err="1"/>
+              <a:t>sa</a:t>
+            </a:r>
+            <a:r>
+              <a:rPr lang="en-US" dirty="0"/>
+              <a:t> </a:t>
+            </a:r>
+            <a:r>
+              <a:rPr lang="en-US" dirty="0" err="1"/>
+              <a:t>rozhodli</a:t>
+            </a:r>
+            <a:r>
+              <a:rPr lang="en-US" dirty="0"/>
+              <a:t> </a:t>
+            </a:r>
+            <a:r>
+              <a:rPr lang="en-US" dirty="0" err="1"/>
+              <a:t>pouzit</a:t>
+            </a:r>
+            <a:r>
+              <a:rPr lang="en-US" dirty="0"/>
+              <a:t> dataset </a:t>
+            </a:r>
+            <a:r>
+              <a:rPr lang="en-US" dirty="0" err="1"/>
+              <a:t>ktory</a:t>
+            </a:r>
+            <a:r>
+              <a:rPr lang="en-US" dirty="0"/>
+              <a:t> </a:t>
+            </a:r>
+            <a:r>
+              <a:rPr lang="en-US" dirty="0" err="1"/>
+              <a:t>obsahuje</a:t>
+            </a:r>
+            <a:r>
+              <a:rPr lang="en-US" dirty="0"/>
+              <a:t> </a:t>
+            </a:r>
+            <a:r>
+              <a:rPr lang="en-US" dirty="0" err="1"/>
+              <a:t>strukturove</a:t>
+            </a:r>
+            <a:r>
+              <a:rPr lang="en-US" dirty="0"/>
+              <a:t> </a:t>
+            </a:r>
+            <a:r>
+              <a:rPr lang="en-US" dirty="0" err="1"/>
+              <a:t>textury</a:t>
+            </a:r>
+            <a:r>
+              <a:rPr lang="en-US" dirty="0"/>
+              <a:t> </a:t>
+            </a:r>
+            <a:r>
+              <a:rPr lang="en-US" dirty="0" err="1"/>
+              <a:t>nad</a:t>
+            </a:r>
+            <a:r>
+              <a:rPr lang="en-US" dirty="0"/>
+              <a:t> </a:t>
+            </a:r>
+            <a:r>
+              <a:rPr lang="en-US" dirty="0" err="1"/>
+              <a:t>ktorym</a:t>
+            </a:r>
+            <a:r>
+              <a:rPr lang="en-US" dirty="0"/>
+              <a:t> </a:t>
+            </a:r>
+            <a:r>
+              <a:rPr lang="en-US" dirty="0" err="1"/>
+              <a:t>klasifikacia</a:t>
+            </a:r>
+            <a:r>
+              <a:rPr lang="en-US" dirty="0"/>
+              <a:t> mala </a:t>
+            </a:r>
+            <a:r>
+              <a:rPr lang="en-US" dirty="0" err="1"/>
+              <a:t>byt</a:t>
+            </a:r>
+            <a:r>
+              <a:rPr lang="en-US" dirty="0"/>
+              <a:t> </a:t>
+            </a:r>
+            <a:r>
+              <a:rPr lang="en-US" dirty="0" err="1"/>
+              <a:t>ovela</a:t>
+            </a:r>
+            <a:r>
+              <a:rPr lang="en-US" dirty="0"/>
+              <a:t> </a:t>
+            </a:r>
+            <a:r>
+              <a:rPr lang="en-US" dirty="0" err="1"/>
+              <a:t>jednodnoduchsia</a:t>
+            </a:r>
+            <a:r>
+              <a:rPr lang="en-US" dirty="0"/>
+              <a:t> </a:t>
+            </a:r>
+            <a:r>
+              <a:rPr lang="en-US" dirty="0" err="1"/>
+              <a:t>oproti</a:t>
+            </a:r>
+            <a:r>
+              <a:rPr lang="en-US" dirty="0"/>
+              <a:t> </a:t>
+            </a:r>
+            <a:r>
+              <a:rPr lang="en-US" dirty="0" err="1"/>
+              <a:t>histologickym</a:t>
+            </a:r>
+            <a:r>
+              <a:rPr lang="en-US" dirty="0"/>
+              <a:t> </a:t>
+            </a:r>
+            <a:r>
+              <a:rPr lang="en-US" dirty="0" err="1"/>
+              <a:t>datam</a:t>
+            </a:r>
+            <a:r>
+              <a:rPr lang="en-US" dirty="0"/>
+              <a:t>. Tieto </a:t>
+            </a:r>
+            <a:r>
+              <a:rPr lang="en-US" dirty="0" err="1"/>
+              <a:t>vysledky</a:t>
+            </a:r>
+            <a:r>
+              <a:rPr lang="en-US" dirty="0"/>
+              <a:t> </a:t>
+            </a:r>
+            <a:r>
+              <a:rPr lang="en-US" dirty="0" err="1"/>
+              <a:t>nam</a:t>
+            </a:r>
+            <a:r>
+              <a:rPr lang="en-US" dirty="0"/>
+              <a:t> </a:t>
+            </a:r>
+            <a:r>
+              <a:rPr lang="en-US" dirty="0" err="1"/>
+              <a:t>ponuknu</a:t>
+            </a:r>
+            <a:r>
+              <a:rPr lang="en-US" dirty="0"/>
+              <a:t> </a:t>
+            </a:r>
+            <a:r>
+              <a:rPr lang="en-US" dirty="0" err="1"/>
+              <a:t>kvalitnejsie</a:t>
+            </a:r>
+            <a:r>
+              <a:rPr lang="en-US" dirty="0"/>
+              <a:t> </a:t>
+            </a:r>
+            <a:r>
+              <a:rPr lang="en-US" dirty="0" err="1"/>
+              <a:t>porovnanie</a:t>
+            </a:r>
+            <a:r>
+              <a:rPr lang="en-US" dirty="0"/>
+              <a:t> </a:t>
+            </a:r>
+            <a:r>
+              <a:rPr lang="en-US" dirty="0" err="1"/>
+              <a:t>jednotlivych</a:t>
+            </a:r>
+            <a:r>
+              <a:rPr lang="en-US" dirty="0"/>
+              <a:t> </a:t>
+            </a:r>
+            <a:r>
+              <a:rPr lang="en-US" dirty="0" err="1"/>
+              <a:t>pristupov</a:t>
+            </a:r>
+            <a:r>
+              <a:rPr lang="en-US" dirty="0"/>
+              <a:t>.  Co </a:t>
+            </a:r>
+            <a:r>
+              <a:rPr lang="en-US" dirty="0" err="1"/>
+              <a:t>sa</a:t>
+            </a:r>
+            <a:r>
+              <a:rPr lang="en-US" dirty="0"/>
+              <a:t> </a:t>
+            </a:r>
+            <a:r>
+              <a:rPr lang="en-US" dirty="0" err="1"/>
+              <a:t>tyka</a:t>
+            </a:r>
+            <a:r>
+              <a:rPr lang="en-US" dirty="0"/>
+              <a:t> </a:t>
+            </a:r>
+            <a:r>
+              <a:rPr lang="en-US" dirty="0" err="1"/>
+              <a:t>klasifikacie</a:t>
+            </a:r>
+            <a:r>
+              <a:rPr lang="en-US" dirty="0"/>
+              <a:t> </a:t>
+            </a:r>
+            <a:r>
+              <a:rPr lang="en-US" dirty="0" err="1"/>
+              <a:t>nad</a:t>
+            </a:r>
+            <a:r>
+              <a:rPr lang="en-US" dirty="0"/>
+              <a:t> </a:t>
+            </a:r>
+            <a:r>
+              <a:rPr lang="en-US" dirty="0" err="1"/>
+              <a:t>histologickymi</a:t>
+            </a:r>
+            <a:r>
+              <a:rPr lang="en-US" dirty="0"/>
+              <a:t> </a:t>
+            </a:r>
+            <a:r>
+              <a:rPr lang="en-US" dirty="0" err="1"/>
+              <a:t>datami</a:t>
+            </a:r>
+            <a:r>
+              <a:rPr lang="en-US" dirty="0"/>
+              <a:t> je </a:t>
+            </a:r>
+            <a:r>
+              <a:rPr lang="en-US" dirty="0" err="1"/>
+              <a:t>velmi</a:t>
+            </a:r>
+            <a:r>
+              <a:rPr lang="en-US" dirty="0"/>
+              <a:t> </a:t>
+            </a:r>
+            <a:r>
+              <a:rPr lang="en-US" dirty="0" err="1"/>
+              <a:t>komplikovana</a:t>
+            </a:r>
+            <a:r>
+              <a:rPr lang="en-US" dirty="0"/>
+              <a:t> a NN </a:t>
+            </a:r>
+            <a:r>
+              <a:rPr lang="en-US" dirty="0" err="1"/>
+              <a:t>nedokaze</a:t>
+            </a:r>
+            <a:r>
+              <a:rPr lang="en-US" dirty="0"/>
+              <a:t> </a:t>
+            </a:r>
+            <a:r>
+              <a:rPr lang="en-US" dirty="0" err="1"/>
+              <a:t>tak</a:t>
+            </a:r>
+            <a:r>
+              <a:rPr lang="en-US" dirty="0"/>
+              <a:t> </a:t>
+            </a:r>
+            <a:r>
+              <a:rPr lang="en-US" dirty="0" err="1"/>
+              <a:t>dobre</a:t>
+            </a:r>
+            <a:r>
+              <a:rPr lang="en-US" dirty="0"/>
+              <a:t> </a:t>
+            </a:r>
+            <a:r>
+              <a:rPr lang="en-US" dirty="0" err="1"/>
+              <a:t>extrahovat</a:t>
+            </a:r>
+            <a:r>
+              <a:rPr lang="en-US" dirty="0"/>
+              <a:t> </a:t>
+            </a:r>
+            <a:r>
+              <a:rPr lang="en-US" dirty="0" err="1"/>
+              <a:t>vzory</a:t>
+            </a:r>
+            <a:r>
+              <a:rPr lang="en-US" dirty="0"/>
+              <a:t> </a:t>
+            </a:r>
+            <a:r>
+              <a:rPr lang="en-US" dirty="0" err="1"/>
+              <a:t>nad</a:t>
+            </a:r>
+            <a:r>
+              <a:rPr lang="en-US" dirty="0"/>
+              <a:t> </a:t>
+            </a:r>
+            <a:r>
+              <a:rPr lang="en-US" dirty="0" err="1"/>
+              <a:t>tymito</a:t>
+            </a:r>
+            <a:r>
+              <a:rPr lang="en-US" dirty="0"/>
+              <a:t> </a:t>
+            </a:r>
+            <a:r>
+              <a:rPr lang="en-US" dirty="0" err="1"/>
+              <a:t>datami</a:t>
+            </a:r>
+            <a:r>
+              <a:rPr lang="en-US" dirty="0"/>
+              <a:t>, a </a:t>
+            </a:r>
+            <a:r>
+              <a:rPr lang="en-US" dirty="0" err="1"/>
+              <a:t>kvoli</a:t>
+            </a:r>
+            <a:r>
+              <a:rPr lang="en-US" dirty="0"/>
+              <a:t> </a:t>
+            </a:r>
+            <a:r>
+              <a:rPr lang="en-US" dirty="0" err="1"/>
+              <a:t>tomu</a:t>
+            </a:r>
+            <a:r>
+              <a:rPr lang="en-US" dirty="0"/>
+              <a:t> false negatives a false </a:t>
+            </a:r>
+            <a:r>
+              <a:rPr lang="en-US" dirty="0" err="1"/>
+              <a:t>pozitives</a:t>
+            </a:r>
+            <a:r>
+              <a:rPr lang="en-US" dirty="0"/>
+              <a:t> </a:t>
+            </a:r>
+            <a:r>
+              <a:rPr lang="en-US" dirty="0" err="1"/>
+              <a:t>su</a:t>
+            </a:r>
+            <a:r>
+              <a:rPr lang="en-US" dirty="0"/>
+              <a:t> </a:t>
+            </a:r>
+            <a:r>
+              <a:rPr lang="en-US" dirty="0" err="1"/>
+              <a:t>totozne</a:t>
+            </a:r>
+            <a:r>
+              <a:rPr lang="en-US" dirty="0"/>
+              <a:t> z </a:t>
+            </a:r>
+            <a:r>
+              <a:rPr lang="en-US" dirty="0" err="1"/>
+              <a:t>coho</a:t>
+            </a:r>
+            <a:r>
+              <a:rPr lang="en-US" dirty="0"/>
+              <a:t> </a:t>
+            </a:r>
+            <a:r>
+              <a:rPr lang="en-US" dirty="0" err="1"/>
+              <a:t>aj</a:t>
+            </a:r>
+            <a:r>
+              <a:rPr lang="en-US" dirty="0"/>
+              <a:t> </a:t>
+            </a:r>
+            <a:r>
+              <a:rPr lang="en-US" dirty="0" err="1"/>
+              <a:t>metriky</a:t>
+            </a:r>
+            <a:r>
+              <a:rPr lang="en-US" dirty="0"/>
+              <a:t> precision a recall </a:t>
+            </a:r>
+            <a:r>
+              <a:rPr lang="en-US" dirty="0" err="1"/>
+              <a:t>su</a:t>
+            </a:r>
+            <a:r>
+              <a:rPr lang="en-US" dirty="0"/>
+              <a:t> </a:t>
+            </a:r>
+            <a:r>
+              <a:rPr lang="en-US" dirty="0" err="1"/>
+              <a:t>totozne</a:t>
+            </a:r>
+            <a:r>
+              <a:rPr lang="en-US" dirty="0"/>
+              <a:t>. AJ </a:t>
+            </a:r>
+            <a:r>
+              <a:rPr lang="en-US" dirty="0" err="1"/>
+              <a:t>napriek</a:t>
+            </a:r>
+            <a:r>
+              <a:rPr lang="en-US" dirty="0"/>
+              <a:t> </a:t>
+            </a:r>
+            <a:r>
+              <a:rPr lang="en-US" dirty="0" err="1"/>
+              <a:t>tejto</a:t>
+            </a:r>
+            <a:r>
+              <a:rPr lang="en-US" dirty="0"/>
+              <a:t> </a:t>
+            </a:r>
+            <a:r>
+              <a:rPr lang="en-US" dirty="0" err="1"/>
+              <a:t>skusocnosti</a:t>
+            </a:r>
+            <a:r>
+              <a:rPr lang="en-US" dirty="0"/>
+              <a:t> </a:t>
+            </a:r>
+            <a:r>
+              <a:rPr lang="en-US" dirty="0" err="1"/>
+              <a:t>nami</a:t>
+            </a:r>
+            <a:r>
+              <a:rPr lang="en-US" dirty="0"/>
+              <a:t> </a:t>
+            </a:r>
+            <a:r>
+              <a:rPr lang="en-US" dirty="0" err="1"/>
+              <a:t>navhrnute</a:t>
+            </a:r>
+            <a:r>
+              <a:rPr lang="en-US" dirty="0"/>
+              <a:t> </a:t>
+            </a:r>
+            <a:r>
+              <a:rPr lang="en-US" dirty="0" err="1"/>
+              <a:t>siete</a:t>
+            </a:r>
+            <a:r>
+              <a:rPr lang="en-US" dirty="0"/>
+              <a:t> </a:t>
+            </a:r>
+            <a:r>
+              <a:rPr lang="en-US" dirty="0" err="1"/>
+              <a:t>dosahuju</a:t>
+            </a:r>
+            <a:r>
+              <a:rPr lang="en-US" dirty="0"/>
+              <a:t> </a:t>
+            </a:r>
+            <a:r>
+              <a:rPr lang="en-US" dirty="0" err="1"/>
+              <a:t>velmi</a:t>
+            </a:r>
+            <a:r>
+              <a:rPr lang="en-US" dirty="0"/>
+              <a:t> </a:t>
+            </a:r>
+            <a:r>
+              <a:rPr lang="en-US" dirty="0" err="1"/>
+              <a:t>dobre</a:t>
+            </a:r>
+            <a:r>
+              <a:rPr lang="en-US" dirty="0"/>
+              <a:t> </a:t>
+            </a:r>
+            <a:r>
+              <a:rPr lang="en-US" dirty="0" err="1"/>
+              <a:t>vysledky</a:t>
+            </a:r>
+            <a:r>
+              <a:rPr lang="en-US" dirty="0"/>
+              <a:t>. </a:t>
+            </a:r>
           </a:p>
         </p:txBody>
       </p:sp>
@@ -693,7 +4006,7 @@
           <a:p>
             <a:fld id="{CAC2A861-0D87-413F-875F-8B4407E615BA}" type="datetimeFigureOut">
               <a:rPr lang="en-US" smtClean="0"/>
-              <a:t>4/18/2020</a:t>
+              <a:t>4/21/2020</a:t>
             </a:fld>
             <a:endParaRPr lang="en-US"/>
           </a:p>
@@ -893,7 +4206,7 @@
           <a:p>
             <a:fld id="{CAC2A861-0D87-413F-875F-8B4407E615BA}" type="datetimeFigureOut">
               <a:rPr lang="en-US" smtClean="0"/>
-              <a:t>4/18/2020</a:t>
+              <a:t>4/21/2020</a:t>
             </a:fld>
             <a:endParaRPr lang="en-US"/>
           </a:p>
@@ -1103,7 +4416,7 @@
           <a:p>
             <a:fld id="{CAC2A861-0D87-413F-875F-8B4407E615BA}" type="datetimeFigureOut">
               <a:rPr lang="en-US" smtClean="0"/>
-              <a:t>4/18/2020</a:t>
+              <a:t>4/21/2020</a:t>
             </a:fld>
             <a:endParaRPr lang="en-US"/>
           </a:p>
@@ -1303,7 +4616,7 @@
           <a:p>
             <a:fld id="{CAC2A861-0D87-413F-875F-8B4407E615BA}" type="datetimeFigureOut">
               <a:rPr lang="en-US" smtClean="0"/>
-              <a:t>4/18/2020</a:t>
+              <a:t>4/21/2020</a:t>
             </a:fld>
             <a:endParaRPr lang="en-US"/>
           </a:p>
@@ -1579,7 +4892,7 @@
           <a:p>
             <a:fld id="{CAC2A861-0D87-413F-875F-8B4407E615BA}" type="datetimeFigureOut">
               <a:rPr lang="en-US" smtClean="0"/>
-              <a:t>4/18/2020</a:t>
+              <a:t>4/21/2020</a:t>
             </a:fld>
             <a:endParaRPr lang="en-US"/>
           </a:p>
@@ -1847,7 +5160,7 @@
           <a:p>
             <a:fld id="{CAC2A861-0D87-413F-875F-8B4407E615BA}" type="datetimeFigureOut">
               <a:rPr lang="en-US" smtClean="0"/>
-              <a:t>4/18/2020</a:t>
+              <a:t>4/21/2020</a:t>
             </a:fld>
             <a:endParaRPr lang="en-US"/>
           </a:p>
@@ -2262,7 +5575,7 @@
           <a:p>
             <a:fld id="{CAC2A861-0D87-413F-875F-8B4407E615BA}" type="datetimeFigureOut">
               <a:rPr lang="en-US" smtClean="0"/>
-              <a:t>4/18/2020</a:t>
+              <a:t>4/21/2020</a:t>
             </a:fld>
             <a:endParaRPr lang="en-US"/>
           </a:p>
@@ -2404,7 +5717,7 @@
           <a:p>
             <a:fld id="{CAC2A861-0D87-413F-875F-8B4407E615BA}" type="datetimeFigureOut">
               <a:rPr lang="en-US" smtClean="0"/>
-              <a:t>4/18/2020</a:t>
+              <a:t>4/21/2020</a:t>
             </a:fld>
             <a:endParaRPr lang="en-US"/>
           </a:p>
@@ -2517,7 +5830,7 @@
           <a:p>
             <a:fld id="{CAC2A861-0D87-413F-875F-8B4407E615BA}" type="datetimeFigureOut">
               <a:rPr lang="en-US" smtClean="0"/>
-              <a:t>4/18/2020</a:t>
+              <a:t>4/21/2020</a:t>
             </a:fld>
             <a:endParaRPr lang="en-US"/>
           </a:p>
@@ -2830,7 +6143,7 @@
           <a:p>
             <a:fld id="{CAC2A861-0D87-413F-875F-8B4407E615BA}" type="datetimeFigureOut">
               <a:rPr lang="en-US" smtClean="0"/>
-              <a:t>4/18/2020</a:t>
+              <a:t>4/21/2020</a:t>
             </a:fld>
             <a:endParaRPr lang="en-US"/>
           </a:p>
@@ -3119,7 +6432,7 @@
           <a:p>
             <a:fld id="{CAC2A861-0D87-413F-875F-8B4407E615BA}" type="datetimeFigureOut">
               <a:rPr lang="en-US" smtClean="0"/>
-              <a:t>4/18/2020</a:t>
+              <a:t>4/21/2020</a:t>
             </a:fld>
             <a:endParaRPr lang="en-US"/>
           </a:p>
@@ -3362,7 +6675,7 @@
           <a:p>
             <a:fld id="{CAC2A861-0D87-413F-875F-8B4407E615BA}" type="datetimeFigureOut">
               <a:rPr lang="en-US" smtClean="0"/>
-              <a:t>4/18/2020</a:t>
+              <a:t>4/21/2020</a:t>
             </a:fld>
             <a:endParaRPr lang="en-US"/>
           </a:p>
@@ -3843,7 +7156,7 @@
           <p:nvPr/>
         </p:nvPicPr>
         <p:blipFill rotWithShape="1">
-          <a:blip r:embed="rId3">
+          <a:blip r:embed="rId4">
             <a:extLst>
               <a:ext uri="{28A0092B-C50C-407E-A947-70E740481C1C}">
                 <a14:useLocalDpi xmlns:a14="http://schemas.microsoft.com/office/drawing/2010/main" val="0"/>
@@ -3855,8 +7168,8 @@
         </p:blipFill>
         <p:spPr bwMode="auto">
           <a:xfrm>
-            <a:off x="6540229" y="1200168"/>
-            <a:ext cx="5651771" cy="4783147"/>
+            <a:off x="6798893" y="1162674"/>
+            <a:ext cx="4241261" cy="3589419"/>
           </a:xfrm>
           <a:prstGeom prst="rect">
             <a:avLst/>
@@ -3887,8 +7200,8 @@
         </p:nvSpPr>
         <p:spPr>
           <a:xfrm>
-            <a:off x="2" y="3723458"/>
-            <a:ext cx="4731270" cy="3200876"/>
+            <a:off x="0" y="3769624"/>
+            <a:ext cx="4506363" cy="3108543"/>
           </a:xfrm>
           <a:prstGeom prst="rect">
             <a:avLst/>
@@ -3913,7 +7226,7 @@
           <a:p>
             <a:pPr algn="ctr"/>
             <a:r>
-              <a:rPr lang="en-US" sz="2000" b="1" dirty="0">
+              <a:rPr lang="en-US" sz="1400" b="1" dirty="0">
                 <a:solidFill>
                   <a:schemeClr val="accent2">
                     <a:lumMod val="50000"/>
@@ -3924,11 +7237,12 @@
             </a:r>
           </a:p>
           <a:p>
-            <a:endParaRPr lang="en-US" sz="1600" dirty="0"/>
-          </a:p>
-          <a:p>
-            <a:r>
-              <a:rPr lang="en-US" sz="1500" dirty="0">
+            <a:pPr algn="ctr"/>
+            <a:endParaRPr lang="en-US" sz="1400" b="1" dirty="0"/>
+          </a:p>
+          <a:p>
+            <a:r>
+              <a:rPr lang="en-US" sz="1400" dirty="0">
                 <a:solidFill>
                   <a:schemeClr val="accent2">
                     <a:lumMod val="50000"/>
@@ -3940,7 +7254,7 @@
           </a:p>
           <a:p>
             <a:r>
-              <a:rPr lang="en-US" sz="1500" dirty="0">
+              <a:rPr lang="en-US" sz="1400" dirty="0">
                 <a:solidFill>
                   <a:schemeClr val="accent2">
                     <a:lumMod val="50000"/>
@@ -3952,7 +7266,7 @@
           </a:p>
           <a:p>
             <a:r>
-              <a:rPr lang="en-US" sz="1500" dirty="0">
+              <a:rPr lang="en-US" sz="1400" dirty="0">
                 <a:solidFill>
                   <a:schemeClr val="accent2">
                     <a:lumMod val="50000"/>
@@ -3964,33 +7278,71 @@
           </a:p>
           <a:p>
             <a:r>
-              <a:rPr lang="en-US" sz="1500" dirty="0">
+              <a:rPr lang="en-US" sz="1400" dirty="0">
                 <a:solidFill>
                   <a:schemeClr val="accent2">
                     <a:lumMod val="50000"/>
                   </a:schemeClr>
                 </a:solidFill>
               </a:rPr>
-              <a:t>Transfer learning: 	ResNet, VGG16</a:t>
-            </a:r>
-          </a:p>
-          <a:p>
-            <a:endParaRPr lang="en-US" sz="1600" dirty="0"/>
-          </a:p>
-          <a:p>
-            <a:endParaRPr lang="en-US" dirty="0"/>
-          </a:p>
-          <a:p>
-            <a:endParaRPr lang="en-US" dirty="0"/>
-          </a:p>
-          <a:p>
-            <a:endParaRPr lang="en-US" dirty="0"/>
-          </a:p>
-          <a:p>
-            <a:endParaRPr lang="en-US" dirty="0"/>
-          </a:p>
-          <a:p>
-            <a:endParaRPr lang="en-US" dirty="0"/>
+              <a:t>Transfer learning: 	</a:t>
+            </a:r>
+            <a:r>
+              <a:rPr lang="en-US" sz="1400" dirty="0" err="1">
+                <a:solidFill>
+                  <a:schemeClr val="accent2">
+                    <a:lumMod val="50000"/>
+                  </a:schemeClr>
+                </a:solidFill>
+              </a:rPr>
+              <a:t>ResNet</a:t>
+            </a:r>
+            <a:r>
+              <a:rPr lang="en-US" sz="1400" dirty="0">
+                <a:solidFill>
+                  <a:schemeClr val="accent2">
+                    <a:lumMod val="50000"/>
+                  </a:schemeClr>
+                </a:solidFill>
+              </a:rPr>
+              <a:t>, VGG16</a:t>
+            </a:r>
+          </a:p>
+          <a:p>
+            <a:endParaRPr lang="en-US" sz="1400" dirty="0">
+              <a:solidFill>
+                <a:schemeClr val="accent2">
+                  <a:lumMod val="50000"/>
+                </a:schemeClr>
+              </a:solidFill>
+            </a:endParaRPr>
+          </a:p>
+          <a:p>
+            <a:endParaRPr lang="en-US" sz="1400" dirty="0">
+              <a:solidFill>
+                <a:schemeClr val="accent2">
+                  <a:lumMod val="50000"/>
+                </a:schemeClr>
+              </a:solidFill>
+            </a:endParaRPr>
+          </a:p>
+          <a:p>
+            <a:endParaRPr lang="en-US" sz="1400" dirty="0"/>
+          </a:p>
+          <a:p>
+            <a:endParaRPr lang="en-US" sz="1400" dirty="0"/>
+          </a:p>
+          <a:p>
+            <a:endParaRPr lang="en-US" sz="1400" dirty="0"/>
+          </a:p>
+          <a:p>
+            <a:endParaRPr lang="en-US" sz="1400" dirty="0"/>
+          </a:p>
+          <a:p>
+            <a:endParaRPr lang="en-US" sz="1400" dirty="0"/>
+          </a:p>
+          <a:p>
+            <a:endParaRPr lang="en-US" sz="1400" dirty="0"/>
           </a:p>
         </p:txBody>
       </p:sp>
@@ -4009,14 +7361,14 @@
           <p:nvPr>
             <p:extLst>
               <p:ext uri="{D42A27DB-BD31-4B8C-83A1-F6EECF244321}">
-                <p14:modId xmlns:p14="http://schemas.microsoft.com/office/powerpoint/2010/main" val="1358347464"/>
+                <p14:modId xmlns:p14="http://schemas.microsoft.com/office/powerpoint/2010/main" val="441200185"/>
               </p:ext>
             </p:extLst>
           </p:nvPr>
         </p:nvGraphicFramePr>
         <p:xfrm>
-          <a:off x="302367" y="5257255"/>
-          <a:ext cx="4161817" cy="1452119"/>
+          <a:off x="159324" y="5210763"/>
+          <a:ext cx="3857617" cy="1433125"/>
         </p:xfrm>
         <a:graphic>
           <a:graphicData uri="http://schemas.openxmlformats.org/drawingml/2006/table">
@@ -4025,21 +7377,21 @@
                 <a:tableStyleId>{00A15C55-8517-42AA-B614-E9B94910E393}</a:tableStyleId>
               </a:tblPr>
               <a:tblGrid>
-                <a:gridCol w="1681264">
+                <a:gridCol w="1558376">
                   <a:extLst>
                     <a:ext uri="{9D8B030D-6E8A-4147-A177-3AD203B41FA5}">
                       <a16:colId xmlns:a16="http://schemas.microsoft.com/office/drawing/2014/main" val="111999521"/>
                     </a:ext>
                   </a:extLst>
                 </a:gridCol>
-                <a:gridCol w="1300929">
+                <a:gridCol w="1205839">
                   <a:extLst>
                     <a:ext uri="{9D8B030D-6E8A-4147-A177-3AD203B41FA5}">
                       <a16:colId xmlns:a16="http://schemas.microsoft.com/office/drawing/2014/main" val="3097840218"/>
                     </a:ext>
                   </a:extLst>
                 </a:gridCol>
-                <a:gridCol w="1179624">
+                <a:gridCol w="1093402">
                   <a:extLst>
                     <a:ext uri="{9D8B030D-6E8A-4147-A177-3AD203B41FA5}">
                       <a16:colId xmlns:a16="http://schemas.microsoft.com/office/drawing/2014/main" val="754798831"/>
@@ -4047,7 +7399,7 @@
                   </a:extLst>
                 </a:gridCol>
               </a:tblGrid>
-              <a:tr h="291655">
+              <a:tr h="286625">
                 <a:tc>
                   <a:txBody>
                     <a:bodyPr/>
@@ -4126,7 +7478,7 @@
                   </a:ext>
                 </a:extLst>
               </a:tr>
-              <a:tr h="291655">
+              <a:tr h="286625">
                 <a:tc>
                   <a:txBody>
                     <a:bodyPr/>
@@ -4199,7 +7551,7 @@
                   </a:ext>
                 </a:extLst>
               </a:tr>
-              <a:tr h="291655">
+              <a:tr h="286625">
                 <a:tc>
                   <a:txBody>
                     <a:bodyPr/>
@@ -4272,7 +7624,7 @@
                   </a:ext>
                 </a:extLst>
               </a:tr>
-              <a:tr h="291655">
+              <a:tr h="286625">
                 <a:tc>
                   <a:txBody>
                     <a:bodyPr/>
@@ -4305,7 +7657,7 @@
                       <a:pPr algn="ctr"/>
                       <a:r>
                         <a:rPr lang="en-US" sz="1100" dirty="0"/>
-                        <a:t>5x5</a:t>
+                        <a:t>7x7</a:t>
                       </a:r>
                     </a:p>
                   </a:txBody>
@@ -4326,8 +7678,21 @@
                       <a:pPr algn="ctr"/>
                       <a:r>
                         <a:rPr lang="en-US" sz="1100" dirty="0"/>
-                        <a:t>0.77017</a:t>
+                        <a:t>0.</a:t>
                       </a:r>
+                      <a:r>
+                        <a:rPr lang="en-US" sz="1100" b="0" i="0" u="none" strike="noStrike" kern="1200" dirty="0">
+                          <a:solidFill>
+                            <a:schemeClr val="dk1"/>
+                          </a:solidFill>
+                          <a:effectLst/>
+                          <a:latin typeface="+mn-lt"/>
+                          <a:ea typeface="+mn-ea"/>
+                          <a:cs typeface="+mn-cs"/>
+                        </a:rPr>
+                        <a:t>83612</a:t>
+                      </a:r>
+                      <a:endParaRPr lang="en-US" sz="1100" dirty="0"/>
                     </a:p>
                   </a:txBody>
                   <a:tcPr>
@@ -4345,7 +7710,7 @@
                   </a:ext>
                 </a:extLst>
               </a:tr>
-              <a:tr h="285499">
+              <a:tr h="286625">
                 <a:tc>
                   <a:txBody>
                     <a:bodyPr/>
@@ -4378,7 +7743,7 @@
                       <a:pPr algn="ctr"/>
                       <a:r>
                         <a:rPr lang="en-US" sz="1100" dirty="0"/>
-                        <a:t>ResNet</a:t>
+                        <a:t>VGG16</a:t>
                       </a:r>
                     </a:p>
                   </a:txBody>
@@ -4397,7 +7762,10 @@
                     <a:lstStyle/>
                     <a:p>
                       <a:pPr algn="ctr"/>
-                      <a:endParaRPr lang="en-US" sz="1100" dirty="0"/>
+                      <a:r>
+                        <a:rPr lang="en-US" sz="1100" dirty="0"/>
+                        <a:t>0.65578</a:t>
+                      </a:r>
                     </a:p>
                   </a:txBody>
                   <a:tcPr>
@@ -4433,17 +7801,14 @@
         </p:nvSpPr>
         <p:spPr>
           <a:xfrm>
-            <a:off x="0" y="1138135"/>
-            <a:ext cx="4766553" cy="2585323"/>
+            <a:off x="4488684" y="1134976"/>
+            <a:ext cx="2326072" cy="3323987"/>
           </a:xfrm>
           <a:prstGeom prst="rect">
             <a:avLst/>
           </a:prstGeom>
           <a:solidFill>
-            <a:schemeClr val="accent2">
-              <a:lumMod val="60000"/>
-              <a:lumOff val="40000"/>
-            </a:schemeClr>
+            <a:srgbClr val="FADDCA"/>
           </a:solidFill>
           <a:ln>
             <a:solidFill>
@@ -4459,7 +7824,7 @@
           <a:p>
             <a:pPr algn="ctr"/>
             <a:r>
-              <a:rPr lang="en-US" b="1" dirty="0">
+              <a:rPr lang="en-US" sz="1400" b="1" dirty="0">
                 <a:solidFill>
                   <a:schemeClr val="accent2">
                     <a:lumMod val="50000"/>
@@ -4470,7 +7835,7 @@
             </a:r>
           </a:p>
           <a:p>
-            <a:endParaRPr lang="en-US" dirty="0">
+            <a:endParaRPr lang="en-US" sz="1400" dirty="0">
               <a:solidFill>
                 <a:schemeClr val="accent2">
                   <a:lumMod val="50000"/>
@@ -4480,7 +7845,7 @@
           </a:p>
           <a:p>
             <a:r>
-              <a:rPr lang="en-US" dirty="0">
+              <a:rPr lang="en-US" sz="1300" dirty="0">
                 <a:solidFill>
                   <a:schemeClr val="accent2">
                     <a:lumMod val="50000"/>
@@ -4489,28 +7854,19 @@
               </a:rPr>
               <a:t>Images shape 96x96x3</a:t>
             </a:r>
-            <a:endParaRPr lang="en-US" b="0" dirty="0">
-              <a:solidFill>
-                <a:schemeClr val="accent2">
-                  <a:lumMod val="50000"/>
-                </a:schemeClr>
-              </a:solidFill>
-              <a:effectLst/>
-            </a:endParaRPr>
           </a:p>
           <a:p>
             <a:br>
-              <a:rPr lang="en-US" b="0" dirty="0">
+              <a:rPr lang="en-US" sz="1300" dirty="0">
                 <a:solidFill>
                   <a:schemeClr val="accent2">
                     <a:lumMod val="50000"/>
                   </a:schemeClr>
                 </a:solidFill>
-                <a:effectLst/>
               </a:rPr>
             </a:br>
             <a:r>
-              <a:rPr lang="en-US" dirty="0">
+              <a:rPr lang="en-US" sz="1300" dirty="0">
                 <a:solidFill>
                   <a:schemeClr val="accent2">
                     <a:lumMod val="50000"/>
@@ -4519,18 +7875,10 @@
               </a:rPr>
               <a:t>Training part 262 144 images</a:t>
             </a:r>
-            <a:endParaRPr lang="en-US" b="0" dirty="0">
-              <a:solidFill>
-                <a:schemeClr val="accent2">
-                  <a:lumMod val="50000"/>
-                </a:schemeClr>
-              </a:solidFill>
-              <a:effectLst/>
-            </a:endParaRPr>
-          </a:p>
-          <a:p>
-            <a:r>
-              <a:rPr lang="en-US" dirty="0">
+          </a:p>
+          <a:p>
+            <a:r>
+              <a:rPr lang="en-US" sz="1300" dirty="0">
                 <a:solidFill>
                   <a:schemeClr val="accent2">
                     <a:lumMod val="50000"/>
@@ -4542,7 +7890,7 @@
           </a:p>
           <a:p>
             <a:r>
-              <a:rPr lang="en-US" dirty="0">
+              <a:rPr lang="en-US" sz="1300" dirty="0">
                 <a:solidFill>
                   <a:schemeClr val="accent2">
                     <a:lumMod val="50000"/>
@@ -4551,20 +7899,9 @@
               </a:rPr>
               <a:t>Valid part 32 768 images</a:t>
             </a:r>
-            <a:endParaRPr lang="en-US" b="0" dirty="0">
-              <a:solidFill>
-                <a:schemeClr val="accent2">
-                  <a:lumMod val="50000"/>
-                </a:schemeClr>
-              </a:solidFill>
-              <a:effectLst/>
-            </a:endParaRPr>
-          </a:p>
-          <a:p>
-            <a:br>
-              <a:rPr lang="en-US" dirty="0"/>
-            </a:br>
-            <a:endParaRPr lang="en-US" dirty="0">
+          </a:p>
+          <a:p>
+            <a:endParaRPr lang="en-US" sz="1400" dirty="0">
               <a:solidFill>
                 <a:schemeClr val="accent2">
                   <a:lumMod val="50000"/>
@@ -4572,44 +7909,71 @@
               </a:solidFill>
             </a:endParaRPr>
           </a:p>
+          <a:p>
+            <a:endParaRPr lang="en-US" sz="1400" dirty="0">
+              <a:solidFill>
+                <a:schemeClr val="accent2">
+                  <a:lumMod val="50000"/>
+                </a:schemeClr>
+              </a:solidFill>
+            </a:endParaRPr>
+          </a:p>
+          <a:p>
+            <a:endParaRPr lang="en-US" sz="1400" dirty="0">
+              <a:solidFill>
+                <a:schemeClr val="accent2">
+                  <a:lumMod val="50000"/>
+                </a:schemeClr>
+              </a:solidFill>
+            </a:endParaRPr>
+          </a:p>
+          <a:p>
+            <a:endParaRPr lang="en-US" sz="1400" dirty="0">
+              <a:solidFill>
+                <a:schemeClr val="accent2">
+                  <a:lumMod val="50000"/>
+                </a:schemeClr>
+              </a:solidFill>
+            </a:endParaRPr>
+          </a:p>
+          <a:p>
+            <a:endParaRPr lang="en-US" sz="1400" dirty="0">
+              <a:solidFill>
+                <a:schemeClr val="accent2">
+                  <a:lumMod val="50000"/>
+                </a:schemeClr>
+              </a:solidFill>
+            </a:endParaRPr>
+          </a:p>
+          <a:p>
+            <a:endParaRPr lang="en-US" sz="1400" dirty="0">
+              <a:solidFill>
+                <a:schemeClr val="accent2">
+                  <a:lumMod val="50000"/>
+                </a:schemeClr>
+              </a:solidFill>
+            </a:endParaRPr>
+          </a:p>
+          <a:p>
+            <a:endParaRPr lang="en-US" sz="1400" dirty="0">
+              <a:solidFill>
+                <a:schemeClr val="accent2">
+                  <a:lumMod val="50000"/>
+                </a:schemeClr>
+              </a:solidFill>
+            </a:endParaRPr>
+          </a:p>
+          <a:p>
+            <a:endParaRPr lang="en-US" sz="1400" dirty="0">
+              <a:solidFill>
+                <a:schemeClr val="accent2">
+                  <a:lumMod val="50000"/>
+                </a:schemeClr>
+              </a:solidFill>
+            </a:endParaRPr>
+          </a:p>
         </p:txBody>
       </p:sp>
-      <p:pic>
-        <p:nvPicPr>
-          <p:cNvPr id="12" name="Obrázok 11" descr="Obrázok, na ktorom je textílie&#10;&#10;Automaticky generovaný popis">
-            <a:extLst>
-              <a:ext uri="{FF2B5EF4-FFF2-40B4-BE49-F238E27FC236}">
-                <a16:creationId xmlns:a16="http://schemas.microsoft.com/office/drawing/2014/main" id="{BB459497-E5BE-4B73-AC7B-085DCF611EDE}"/>
-              </a:ext>
-            </a:extLst>
-          </p:cNvPr>
-          <p:cNvPicPr>
-            <a:picLocks noChangeAspect="1"/>
-          </p:cNvPicPr>
-          <p:nvPr/>
-        </p:nvPicPr>
-        <p:blipFill>
-          <a:blip r:embed="rId4">
-            <a:extLst>
-              <a:ext uri="{28A0092B-C50C-407E-A947-70E740481C1C}">
-                <a14:useLocalDpi xmlns:a14="http://schemas.microsoft.com/office/drawing/2010/main" val="0"/>
-              </a:ext>
-            </a:extLst>
-          </a:blip>
-          <a:stretch>
-            <a:fillRect/>
-          </a:stretch>
-        </p:blipFill>
-        <p:spPr>
-          <a:xfrm>
-            <a:off x="3675434" y="1220966"/>
-            <a:ext cx="914400" cy="914400"/>
-          </a:xfrm>
-          <a:prstGeom prst="rect">
-            <a:avLst/>
-          </a:prstGeom>
-        </p:spPr>
-      </p:pic>
       <p:pic>
         <p:nvPicPr>
           <p:cNvPr id="14" name="Obrázok 13" descr="Obrázok, na ktorom je textílie, kvet&#10;&#10;Automaticky generovaný popis">
@@ -4638,7 +8002,7 @@
         </p:blipFill>
         <p:spPr>
           <a:xfrm>
-            <a:off x="2945860" y="1527242"/>
+            <a:off x="4771244" y="3476984"/>
             <a:ext cx="914400" cy="914400"/>
           </a:xfrm>
           <a:prstGeom prst="rect">
@@ -4674,7 +8038,7 @@
         </p:blipFill>
         <p:spPr>
           <a:xfrm>
-            <a:off x="3675434" y="2243612"/>
+            <a:off x="5836972" y="3455431"/>
             <a:ext cx="914400" cy="914400"/>
           </a:xfrm>
           <a:prstGeom prst="rect">
@@ -4710,7 +8074,7 @@
         </p:blipFill>
         <p:spPr>
           <a:xfrm>
-            <a:off x="2945860" y="2599088"/>
+            <a:off x="4575801" y="2681596"/>
             <a:ext cx="914400" cy="914400"/>
           </a:xfrm>
           <a:prstGeom prst="rect">
@@ -4732,17 +8096,14 @@
         </p:nvSpPr>
         <p:spPr>
           <a:xfrm>
-            <a:off x="4717916" y="4597517"/>
-            <a:ext cx="4581727" cy="2308324"/>
+            <a:off x="4488682" y="4446000"/>
+            <a:ext cx="2326074" cy="2523768"/>
           </a:xfrm>
           <a:prstGeom prst="rect">
             <a:avLst/>
           </a:prstGeom>
           <a:solidFill>
-            <a:schemeClr val="accent2">
-              <a:lumMod val="20000"/>
-              <a:lumOff val="80000"/>
-            </a:schemeClr>
+            <a:srgbClr val="FDF0E7"/>
           </a:solidFill>
           <a:ln>
             <a:solidFill>
@@ -4758,7 +8119,7 @@
           <a:p>
             <a:pPr algn="ctr"/>
             <a:r>
-              <a:rPr lang="en-US" b="1" dirty="0">
+              <a:rPr lang="en-US" sz="1400" b="1" dirty="0">
                 <a:solidFill>
                   <a:schemeClr val="accent2">
                     <a:lumMod val="50000"/>
@@ -4770,7 +8131,7 @@
           </a:p>
           <a:p>
             <a:pPr algn="ctr"/>
-            <a:endParaRPr lang="en-US" dirty="0">
+            <a:endParaRPr lang="en-US" sz="1400" dirty="0">
               <a:solidFill>
                 <a:schemeClr val="accent2">
                   <a:lumMod val="50000"/>
@@ -4780,17 +8141,17 @@
           </a:p>
           <a:p>
             <a:r>
-              <a:rPr lang="en-US" sz="1700" dirty="0">
+              <a:rPr lang="en-US" sz="1300" dirty="0">
                 <a:solidFill>
                   <a:schemeClr val="accent2">
                     <a:lumMod val="50000"/>
                   </a:schemeClr>
                 </a:solidFill>
               </a:rPr>
-              <a:t>The best approach is classic backpropagation</a:t>
+              <a:t>The best approach is classic Gabor filter</a:t>
             </a:r>
             <a:br>
-              <a:rPr lang="en-US" sz="1700" dirty="0">
+              <a:rPr lang="en-US" sz="1300" dirty="0">
                 <a:solidFill>
                   <a:schemeClr val="accent2">
                     <a:lumMod val="50000"/>
@@ -4799,7 +8160,7 @@
               </a:rPr>
             </a:br>
             <a:r>
-              <a:rPr lang="en-US" sz="1700" dirty="0">
+              <a:rPr lang="en-US" sz="1300" dirty="0">
                 <a:solidFill>
                   <a:schemeClr val="accent2">
                     <a:lumMod val="50000"/>
@@ -4809,7 +8170,7 @@
               <a:t>The worst approach is transfer learning by ResNet</a:t>
             </a:r>
             <a:br>
-              <a:rPr lang="en-US" sz="1700" dirty="0">
+              <a:rPr lang="en-US" sz="1300" dirty="0">
                 <a:solidFill>
                   <a:schemeClr val="accent2">
                     <a:lumMod val="50000"/>
@@ -4818,7 +8179,7 @@
               </a:rPr>
             </a:br>
             <a:br>
-              <a:rPr lang="en-US" sz="1700" dirty="0">
+              <a:rPr lang="en-US" sz="1300" dirty="0">
                 <a:solidFill>
                   <a:schemeClr val="accent2">
                     <a:lumMod val="50000"/>
@@ -4827,7 +8188,7 @@
               </a:rPr>
             </a:br>
             <a:r>
-              <a:rPr lang="en-US" sz="1700" dirty="0">
+              <a:rPr lang="en-US" sz="1300" dirty="0">
                 <a:solidFill>
                   <a:schemeClr val="accent2">
                     <a:lumMod val="50000"/>
@@ -4838,7 +8199,7 @@
             </a:r>
           </a:p>
           <a:p>
-            <a:endParaRPr lang="en-US" dirty="0">
+            <a:endParaRPr lang="en-US" sz="1300" dirty="0">
               <a:solidFill>
                 <a:schemeClr val="accent2">
                   <a:lumMod val="50000"/>
@@ -4862,7 +8223,7 @@
           </p:cNvPicPr>
           <p:nvPr/>
         </p:nvPicPr>
-        <p:blipFill>
+        <p:blipFill rotWithShape="1">
           <a:blip r:embed="rId8">
             <a:extLst>
               <a:ext uri="{28A0092B-C50C-407E-A947-70E740481C1C}">
@@ -4870,14 +8231,13 @@
               </a:ext>
             </a:extLst>
           </a:blip>
-          <a:stretch>
-            <a:fillRect/>
-          </a:stretch>
+          <a:srcRect t="-876" b="40198"/>
+          <a:stretch/>
         </p:blipFill>
         <p:spPr>
           <a:xfrm>
-            <a:off x="4731271" y="1138134"/>
-            <a:ext cx="1727895" cy="3459383"/>
+            <a:off x="11008664" y="1156493"/>
+            <a:ext cx="1204743" cy="1463555"/>
           </a:xfrm>
           <a:prstGeom prst="rect">
             <a:avLst/>
@@ -4898,7 +8258,7 @@
         </p:nvSpPr>
         <p:spPr>
           <a:xfrm>
-            <a:off x="7991270" y="799820"/>
+            <a:off x="7998260" y="821733"/>
             <a:ext cx="4241261" cy="369332"/>
           </a:xfrm>
           <a:prstGeom prst="rect">
@@ -4921,7 +8281,7 @@
               <a:t>Matej Horniak, supervisor: Vanda Bene</a:t>
             </a:r>
             <a:r>
-              <a:rPr lang="sk-SK" dirty="0" err="1">
+              <a:rPr lang="sk-SK" dirty="0">
                 <a:solidFill>
                   <a:schemeClr val="bg1"/>
                 </a:solidFill>
@@ -4980,6 +8340,991 @@
           </a:p>
         </p:txBody>
       </p:sp>
+      <p:sp>
+        <p:nvSpPr>
+          <p:cNvPr id="3" name="BlokTextu 2">
+            <a:extLst>
+              <a:ext uri="{FF2B5EF4-FFF2-40B4-BE49-F238E27FC236}">
+                <a16:creationId xmlns:a16="http://schemas.microsoft.com/office/drawing/2014/main" id="{EFB9C373-3C3E-4002-97C9-E5D9ED074BE2}"/>
+              </a:ext>
+            </a:extLst>
+          </p:cNvPr>
+          <p:cNvSpPr txBox="1"/>
+          <p:nvPr/>
+        </p:nvSpPr>
+        <p:spPr>
+          <a:xfrm>
+            <a:off x="1" y="1138134"/>
+            <a:ext cx="4488682" cy="2631490"/>
+          </a:xfrm>
+          <a:prstGeom prst="rect">
+            <a:avLst/>
+          </a:prstGeom>
+          <a:solidFill>
+            <a:schemeClr val="accent2">
+              <a:lumMod val="60000"/>
+              <a:lumOff val="40000"/>
+            </a:schemeClr>
+          </a:solidFill>
+          <a:ln>
+            <a:solidFill>
+              <a:schemeClr val="bg1"/>
+            </a:solidFill>
+          </a:ln>
+        </p:spPr>
+        <p:txBody>
+          <a:bodyPr wrap="square" rtlCol="0">
+            <a:spAutoFit/>
+          </a:bodyPr>
+          <a:lstStyle/>
+          <a:p>
+            <a:pPr algn="ctr"/>
+            <a:r>
+              <a:rPr lang="en-US" sz="1400" b="1" dirty="0">
+                <a:solidFill>
+                  <a:schemeClr val="accent2">
+                    <a:lumMod val="50000"/>
+                  </a:schemeClr>
+                </a:solidFill>
+              </a:rPr>
+              <a:t>Work goal</a:t>
+            </a:r>
+            <a:endParaRPr lang="sk-SK" sz="1400" b="1" dirty="0">
+              <a:solidFill>
+                <a:schemeClr val="accent2">
+                  <a:lumMod val="50000"/>
+                </a:schemeClr>
+              </a:solidFill>
+            </a:endParaRPr>
+          </a:p>
+          <a:p>
+            <a:r>
+              <a:rPr lang="en-US" sz="1300" dirty="0">
+                <a:solidFill>
+                  <a:schemeClr val="accent2">
+                    <a:lumMod val="50000"/>
+                  </a:schemeClr>
+                </a:solidFill>
+              </a:rPr>
+              <a:t>The goal of the work is the classification of histological data using deep neural networks and namely convolutional neural networks.</a:t>
+            </a:r>
+            <a:br>
+              <a:rPr lang="en-US" sz="1300" dirty="0">
+                <a:solidFill>
+                  <a:schemeClr val="accent2">
+                    <a:lumMod val="50000"/>
+                  </a:schemeClr>
+                </a:solidFill>
+              </a:rPr>
+            </a:br>
+            <a:r>
+              <a:rPr lang="en-US" sz="1300" dirty="0">
+                <a:solidFill>
+                  <a:schemeClr val="accent2">
+                    <a:lumMod val="50000"/>
+                  </a:schemeClr>
+                </a:solidFill>
+              </a:rPr>
+              <a:t>The main idea is to compare different approaches for initialization of the kernels in the first layers of the convolutional neural networks</a:t>
+            </a:r>
+          </a:p>
+          <a:p>
+            <a:endParaRPr lang="en-US" sz="1300" dirty="0">
+              <a:solidFill>
+                <a:schemeClr val="accent2">
+                  <a:lumMod val="50000"/>
+                </a:schemeClr>
+              </a:solidFill>
+            </a:endParaRPr>
+          </a:p>
+          <a:p>
+            <a:pPr marL="171450" indent="-171450">
+              <a:buFont typeface="Arial" panose="020B0604020202020204" pitchFamily="34" charset="0"/>
+              <a:buChar char="•"/>
+            </a:pPr>
+            <a:r>
+              <a:rPr lang="en-US" sz="1200" dirty="0">
+                <a:solidFill>
+                  <a:schemeClr val="accent2">
+                    <a:lumMod val="50000"/>
+                  </a:schemeClr>
+                </a:solidFill>
+              </a:rPr>
+              <a:t>automatic initialization of convolutional kernels using backpropagation,</a:t>
+            </a:r>
+          </a:p>
+          <a:p>
+            <a:pPr marL="171450" indent="-171450">
+              <a:buFont typeface="Arial" panose="020B0604020202020204" pitchFamily="34" charset="0"/>
+              <a:buChar char="•"/>
+            </a:pPr>
+            <a:r>
+              <a:rPr lang="en-US" sz="1200" dirty="0">
+                <a:solidFill>
+                  <a:schemeClr val="accent2">
+                    <a:lumMod val="50000"/>
+                  </a:schemeClr>
+                </a:solidFill>
+              </a:rPr>
+              <a:t>automatic initialization of convolutional kernels using autoencoder </a:t>
+            </a:r>
+          </a:p>
+          <a:p>
+            <a:pPr marL="171450" indent="-171450">
+              <a:buFont typeface="Arial" panose="020B0604020202020204" pitchFamily="34" charset="0"/>
+              <a:buChar char="•"/>
+            </a:pPr>
+            <a:r>
+              <a:rPr lang="en-US" sz="1200" dirty="0">
+                <a:solidFill>
+                  <a:schemeClr val="accent2">
+                    <a:lumMod val="50000"/>
+                  </a:schemeClr>
+                </a:solidFill>
+              </a:rPr>
+              <a:t>automatic initialization by learned weights from transfer learning</a:t>
+            </a:r>
+          </a:p>
+          <a:p>
+            <a:pPr marL="171450" indent="-171450">
+              <a:buFont typeface="Arial" panose="020B0604020202020204" pitchFamily="34" charset="0"/>
+              <a:buChar char="•"/>
+            </a:pPr>
+            <a:r>
+              <a:rPr lang="en-US" sz="1200" dirty="0">
+                <a:solidFill>
+                  <a:schemeClr val="accent2">
+                    <a:lumMod val="50000"/>
+                  </a:schemeClr>
+                </a:solidFill>
+              </a:rPr>
+              <a:t>manual initialization of convolutional kernels as Gabor filters.</a:t>
+            </a:r>
+          </a:p>
+        </p:txBody>
+      </p:sp>
+      <p:pic>
+        <p:nvPicPr>
+          <p:cNvPr id="12" name="Obrázok 11" descr="Obrázok, na ktorom je textílie&#10;&#10;Automaticky generovaný popis">
+            <a:extLst>
+              <a:ext uri="{FF2B5EF4-FFF2-40B4-BE49-F238E27FC236}">
+                <a16:creationId xmlns:a16="http://schemas.microsoft.com/office/drawing/2014/main" id="{BB459497-E5BE-4B73-AC7B-085DCF611EDE}"/>
+              </a:ext>
+            </a:extLst>
+          </p:cNvPr>
+          <p:cNvPicPr>
+            <a:picLocks noChangeAspect="1"/>
+          </p:cNvPicPr>
+          <p:nvPr/>
+        </p:nvPicPr>
+        <p:blipFill>
+          <a:blip r:embed="rId9">
+            <a:extLst>
+              <a:ext uri="{28A0092B-C50C-407E-A947-70E740481C1C}">
+                <a14:useLocalDpi xmlns:a14="http://schemas.microsoft.com/office/drawing/2010/main" val="0"/>
+              </a:ext>
+            </a:extLst>
+          </a:blip>
+          <a:stretch>
+            <a:fillRect/>
+          </a:stretch>
+        </p:blipFill>
+        <p:spPr>
+          <a:xfrm>
+            <a:off x="5624166" y="2681596"/>
+            <a:ext cx="914400" cy="914400"/>
+          </a:xfrm>
+          <a:prstGeom prst="rect">
+            <a:avLst/>
+          </a:prstGeom>
+        </p:spPr>
+      </p:pic>
+      <p:pic>
+        <p:nvPicPr>
+          <p:cNvPr id="4" name="Obrázok 3">
+            <a:extLst>
+              <a:ext uri="{FF2B5EF4-FFF2-40B4-BE49-F238E27FC236}">
+                <a16:creationId xmlns:a16="http://schemas.microsoft.com/office/drawing/2014/main" id="{6A760322-B626-40A0-8C54-051C55B572B0}"/>
+              </a:ext>
+            </a:extLst>
+          </p:cNvPr>
+          <p:cNvPicPr>
+            <a:picLocks noChangeAspect="1"/>
+          </p:cNvPicPr>
+          <p:nvPr/>
+        </p:nvPicPr>
+        <p:blipFill>
+          <a:blip r:embed="rId10"/>
+          <a:stretch>
+            <a:fillRect/>
+          </a:stretch>
+        </p:blipFill>
+        <p:spPr>
+          <a:xfrm>
+            <a:off x="11040154" y="2762994"/>
+            <a:ext cx="1151845" cy="1013446"/>
+          </a:xfrm>
+          <a:prstGeom prst="rect">
+            <a:avLst/>
+          </a:prstGeom>
+        </p:spPr>
+      </p:pic>
+      <p:sp>
+        <p:nvSpPr>
+          <p:cNvPr id="5" name="BlokTextu 4">
+            <a:extLst>
+              <a:ext uri="{FF2B5EF4-FFF2-40B4-BE49-F238E27FC236}">
+                <a16:creationId xmlns:a16="http://schemas.microsoft.com/office/drawing/2014/main" id="{2B724AC7-6E34-4BB3-8444-283849C0DCC3}"/>
+              </a:ext>
+            </a:extLst>
+          </p:cNvPr>
+          <p:cNvSpPr txBox="1"/>
+          <p:nvPr/>
+        </p:nvSpPr>
+        <p:spPr>
+          <a:xfrm>
+            <a:off x="6832436" y="4720810"/>
+            <a:ext cx="5359563" cy="2308324"/>
+          </a:xfrm>
+          <a:prstGeom prst="rect">
+            <a:avLst/>
+          </a:prstGeom>
+          <a:solidFill>
+            <a:schemeClr val="accent2">
+              <a:lumMod val="60000"/>
+              <a:lumOff val="40000"/>
+            </a:schemeClr>
+          </a:solidFill>
+          <a:ln>
+            <a:solidFill>
+              <a:schemeClr val="bg1"/>
+            </a:solidFill>
+          </a:ln>
+        </p:spPr>
+        <p:txBody>
+          <a:bodyPr wrap="square" numCol="3" rtlCol="0">
+            <a:spAutoFit/>
+          </a:bodyPr>
+          <a:lstStyle/>
+          <a:p>
+            <a:pPr algn="ctr"/>
+            <a:endParaRPr lang="en-US" sz="1300" dirty="0">
+              <a:solidFill>
+                <a:schemeClr val="accent2">
+                  <a:lumMod val="50000"/>
+                </a:schemeClr>
+              </a:solidFill>
+            </a:endParaRPr>
+          </a:p>
+          <a:p>
+            <a:pPr algn="ctr"/>
+            <a:r>
+              <a:rPr lang="en-US" sz="1300" dirty="0">
+                <a:solidFill>
+                  <a:schemeClr val="accent2">
+                    <a:lumMod val="50000"/>
+                  </a:schemeClr>
+                </a:solidFill>
+              </a:rPr>
+              <a:t>Backpropagation</a:t>
+            </a:r>
+          </a:p>
+          <a:p>
+            <a:pPr algn="ctr"/>
+            <a:endParaRPr lang="en-US" sz="1300" dirty="0">
+              <a:solidFill>
+                <a:schemeClr val="accent2">
+                  <a:lumMod val="50000"/>
+                </a:schemeClr>
+              </a:solidFill>
+            </a:endParaRPr>
+          </a:p>
+          <a:p>
+            <a:pPr algn="ctr"/>
+            <a:endParaRPr lang="en-US" sz="1300" dirty="0">
+              <a:solidFill>
+                <a:schemeClr val="accent2">
+                  <a:lumMod val="50000"/>
+                </a:schemeClr>
+              </a:solidFill>
+            </a:endParaRPr>
+          </a:p>
+          <a:p>
+            <a:pPr algn="ctr"/>
+            <a:endParaRPr lang="en-US" sz="1300" dirty="0">
+              <a:solidFill>
+                <a:schemeClr val="accent2">
+                  <a:lumMod val="50000"/>
+                </a:schemeClr>
+              </a:solidFill>
+            </a:endParaRPr>
+          </a:p>
+          <a:p>
+            <a:pPr algn="ctr"/>
+            <a:endParaRPr lang="en-US" sz="1300" dirty="0">
+              <a:solidFill>
+                <a:schemeClr val="accent2">
+                  <a:lumMod val="50000"/>
+                </a:schemeClr>
+              </a:solidFill>
+            </a:endParaRPr>
+          </a:p>
+          <a:p>
+            <a:pPr algn="ctr"/>
+            <a:endParaRPr lang="en-US" sz="1300" dirty="0">
+              <a:solidFill>
+                <a:schemeClr val="accent2">
+                  <a:lumMod val="50000"/>
+                </a:schemeClr>
+              </a:solidFill>
+            </a:endParaRPr>
+          </a:p>
+          <a:p>
+            <a:pPr algn="ctr"/>
+            <a:endParaRPr lang="en-US" sz="1300" dirty="0">
+              <a:solidFill>
+                <a:schemeClr val="accent2">
+                  <a:lumMod val="50000"/>
+                </a:schemeClr>
+              </a:solidFill>
+            </a:endParaRPr>
+          </a:p>
+          <a:p>
+            <a:pPr algn="ctr"/>
+            <a:endParaRPr lang="en-US" sz="1300" dirty="0">
+              <a:solidFill>
+                <a:schemeClr val="accent2">
+                  <a:lumMod val="50000"/>
+                </a:schemeClr>
+              </a:solidFill>
+            </a:endParaRPr>
+          </a:p>
+          <a:p>
+            <a:pPr algn="ctr"/>
+            <a:endParaRPr lang="en-US" sz="1300" dirty="0">
+              <a:solidFill>
+                <a:schemeClr val="accent2">
+                  <a:lumMod val="50000"/>
+                </a:schemeClr>
+              </a:solidFill>
+            </a:endParaRPr>
+          </a:p>
+          <a:p>
+            <a:pPr algn="ctr"/>
+            <a:endParaRPr lang="en-US" sz="1300" dirty="0">
+              <a:solidFill>
+                <a:schemeClr val="accent2">
+                  <a:lumMod val="50000"/>
+                </a:schemeClr>
+              </a:solidFill>
+            </a:endParaRPr>
+          </a:p>
+          <a:p>
+            <a:pPr algn="ctr"/>
+            <a:endParaRPr lang="en-US" sz="1300" dirty="0">
+              <a:solidFill>
+                <a:schemeClr val="accent2">
+                  <a:lumMod val="50000"/>
+                </a:schemeClr>
+              </a:solidFill>
+            </a:endParaRPr>
+          </a:p>
+          <a:p>
+            <a:pPr algn="ctr"/>
+            <a:r>
+              <a:rPr lang="en-US" sz="1300" dirty="0">
+                <a:solidFill>
+                  <a:schemeClr val="accent2">
+                    <a:lumMod val="50000"/>
+                  </a:schemeClr>
+                </a:solidFill>
+              </a:rPr>
+              <a:t>Autoencoder</a:t>
+            </a:r>
+          </a:p>
+          <a:p>
+            <a:pPr algn="ctr"/>
+            <a:endParaRPr lang="en-US" sz="1300" dirty="0">
+              <a:solidFill>
+                <a:schemeClr val="accent2">
+                  <a:lumMod val="50000"/>
+                </a:schemeClr>
+              </a:solidFill>
+            </a:endParaRPr>
+          </a:p>
+          <a:p>
+            <a:pPr algn="ctr"/>
+            <a:endParaRPr lang="en-US" sz="1300" dirty="0">
+              <a:solidFill>
+                <a:schemeClr val="accent2">
+                  <a:lumMod val="50000"/>
+                </a:schemeClr>
+              </a:solidFill>
+            </a:endParaRPr>
+          </a:p>
+          <a:p>
+            <a:pPr algn="ctr"/>
+            <a:endParaRPr lang="en-US" sz="1300" dirty="0">
+              <a:solidFill>
+                <a:schemeClr val="accent2">
+                  <a:lumMod val="50000"/>
+                </a:schemeClr>
+              </a:solidFill>
+            </a:endParaRPr>
+          </a:p>
+          <a:p>
+            <a:pPr algn="ctr"/>
+            <a:endParaRPr lang="en-US" sz="1300" dirty="0">
+              <a:solidFill>
+                <a:schemeClr val="accent2">
+                  <a:lumMod val="50000"/>
+                </a:schemeClr>
+              </a:solidFill>
+            </a:endParaRPr>
+          </a:p>
+          <a:p>
+            <a:pPr algn="ctr"/>
+            <a:endParaRPr lang="en-US" sz="1300" dirty="0">
+              <a:solidFill>
+                <a:schemeClr val="accent2">
+                  <a:lumMod val="50000"/>
+                </a:schemeClr>
+              </a:solidFill>
+            </a:endParaRPr>
+          </a:p>
+          <a:p>
+            <a:pPr algn="ctr"/>
+            <a:endParaRPr lang="en-US" sz="1300" dirty="0">
+              <a:solidFill>
+                <a:schemeClr val="accent2">
+                  <a:lumMod val="50000"/>
+                </a:schemeClr>
+              </a:solidFill>
+            </a:endParaRPr>
+          </a:p>
+          <a:p>
+            <a:pPr algn="ctr"/>
+            <a:endParaRPr lang="en-US" sz="1300" dirty="0">
+              <a:solidFill>
+                <a:schemeClr val="accent2">
+                  <a:lumMod val="50000"/>
+                </a:schemeClr>
+              </a:solidFill>
+            </a:endParaRPr>
+          </a:p>
+          <a:p>
+            <a:pPr algn="ctr"/>
+            <a:endParaRPr lang="en-US" sz="1300" dirty="0">
+              <a:solidFill>
+                <a:schemeClr val="accent2">
+                  <a:lumMod val="50000"/>
+                </a:schemeClr>
+              </a:solidFill>
+            </a:endParaRPr>
+          </a:p>
+          <a:p>
+            <a:pPr algn="ctr"/>
+            <a:endParaRPr lang="en-US" sz="1300" dirty="0">
+              <a:solidFill>
+                <a:schemeClr val="accent2">
+                  <a:lumMod val="50000"/>
+                </a:schemeClr>
+              </a:solidFill>
+            </a:endParaRPr>
+          </a:p>
+          <a:p>
+            <a:pPr algn="ctr"/>
+            <a:endParaRPr lang="en-US" sz="1300" dirty="0">
+              <a:solidFill>
+                <a:schemeClr val="accent2">
+                  <a:lumMod val="50000"/>
+                </a:schemeClr>
+              </a:solidFill>
+            </a:endParaRPr>
+          </a:p>
+          <a:p>
+            <a:pPr algn="ctr"/>
+            <a:r>
+              <a:rPr lang="en-US" sz="1300" dirty="0">
+                <a:solidFill>
+                  <a:schemeClr val="accent2">
+                    <a:lumMod val="50000"/>
+                  </a:schemeClr>
+                </a:solidFill>
+              </a:rPr>
+              <a:t>Gabor filters</a:t>
+            </a:r>
+          </a:p>
+        </p:txBody>
+      </p:sp>
+      <p:sp>
+        <p:nvSpPr>
+          <p:cNvPr id="7" name="BlokTextu 6">
+            <a:extLst>
+              <a:ext uri="{FF2B5EF4-FFF2-40B4-BE49-F238E27FC236}">
+                <a16:creationId xmlns:a16="http://schemas.microsoft.com/office/drawing/2014/main" id="{911240C4-3DE0-490C-B035-7A42E5D1C7DF}"/>
+              </a:ext>
+            </a:extLst>
+          </p:cNvPr>
+          <p:cNvSpPr txBox="1"/>
+          <p:nvPr/>
+        </p:nvSpPr>
+        <p:spPr>
+          <a:xfrm>
+            <a:off x="7874037" y="4689794"/>
+            <a:ext cx="3199660" cy="369332"/>
+          </a:xfrm>
+          <a:prstGeom prst="rect">
+            <a:avLst/>
+          </a:prstGeom>
+          <a:noFill/>
+        </p:spPr>
+        <p:txBody>
+          <a:bodyPr wrap="square" rtlCol="0">
+            <a:spAutoFit/>
+          </a:bodyPr>
+          <a:lstStyle/>
+          <a:p>
+            <a:pPr algn="ctr"/>
+            <a:r>
+              <a:rPr lang="en-US" b="1" dirty="0">
+                <a:solidFill>
+                  <a:schemeClr val="accent2">
+                    <a:lumMod val="50000"/>
+                  </a:schemeClr>
+                </a:solidFill>
+              </a:rPr>
+              <a:t>Kernel examples</a:t>
+            </a:r>
+          </a:p>
+        </p:txBody>
+      </p:sp>
+      <p:pic>
+        <p:nvPicPr>
+          <p:cNvPr id="11" name="Obrázok 10">
+            <a:extLst>
+              <a:ext uri="{FF2B5EF4-FFF2-40B4-BE49-F238E27FC236}">
+                <a16:creationId xmlns:a16="http://schemas.microsoft.com/office/drawing/2014/main" id="{2AE140EB-B11F-4536-9696-F7B532EEE9F9}"/>
+              </a:ext>
+            </a:extLst>
+          </p:cNvPr>
+          <p:cNvPicPr>
+            <a:picLocks noChangeAspect="1"/>
+          </p:cNvPicPr>
+          <p:nvPr/>
+        </p:nvPicPr>
+        <p:blipFill>
+          <a:blip r:embed="rId11"/>
+          <a:stretch>
+            <a:fillRect/>
+          </a:stretch>
+        </p:blipFill>
+        <p:spPr>
+          <a:xfrm>
+            <a:off x="8873347" y="5249126"/>
+            <a:ext cx="594412" cy="598223"/>
+          </a:xfrm>
+          <a:prstGeom prst="rect">
+            <a:avLst/>
+          </a:prstGeom>
+        </p:spPr>
+      </p:pic>
+      <p:pic>
+        <p:nvPicPr>
+          <p:cNvPr id="13" name="Obrázok 12">
+            <a:extLst>
+              <a:ext uri="{FF2B5EF4-FFF2-40B4-BE49-F238E27FC236}">
+                <a16:creationId xmlns:a16="http://schemas.microsoft.com/office/drawing/2014/main" id="{5EE04BAD-95C5-4A5A-A281-803F041F5177}"/>
+              </a:ext>
+            </a:extLst>
+          </p:cNvPr>
+          <p:cNvPicPr>
+            <a:picLocks noChangeAspect="1"/>
+          </p:cNvPicPr>
+          <p:nvPr/>
+        </p:nvPicPr>
+        <p:blipFill>
+          <a:blip r:embed="rId12"/>
+          <a:stretch>
+            <a:fillRect/>
+          </a:stretch>
+        </p:blipFill>
+        <p:spPr>
+          <a:xfrm>
+            <a:off x="9644324" y="5253378"/>
+            <a:ext cx="594412" cy="598223"/>
+          </a:xfrm>
+          <a:prstGeom prst="rect">
+            <a:avLst/>
+          </a:prstGeom>
+        </p:spPr>
+      </p:pic>
+      <p:pic>
+        <p:nvPicPr>
+          <p:cNvPr id="15" name="Obrázok 14">
+            <a:extLst>
+              <a:ext uri="{FF2B5EF4-FFF2-40B4-BE49-F238E27FC236}">
+                <a16:creationId xmlns:a16="http://schemas.microsoft.com/office/drawing/2014/main" id="{63B086A9-BF42-4134-B336-5AB8C2FF4293}"/>
+              </a:ext>
+            </a:extLst>
+          </p:cNvPr>
+          <p:cNvPicPr>
+            <a:picLocks noChangeAspect="1"/>
+          </p:cNvPicPr>
+          <p:nvPr/>
+        </p:nvPicPr>
+        <p:blipFill>
+          <a:blip r:embed="rId13"/>
+          <a:stretch>
+            <a:fillRect/>
+          </a:stretch>
+        </p:blipFill>
+        <p:spPr>
+          <a:xfrm>
+            <a:off x="8862017" y="6037349"/>
+            <a:ext cx="617071" cy="621053"/>
+          </a:xfrm>
+          <a:prstGeom prst="rect">
+            <a:avLst/>
+          </a:prstGeom>
+        </p:spPr>
+      </p:pic>
+      <p:pic>
+        <p:nvPicPr>
+          <p:cNvPr id="17" name="Obrázok 16">
+            <a:extLst>
+              <a:ext uri="{FF2B5EF4-FFF2-40B4-BE49-F238E27FC236}">
+                <a16:creationId xmlns:a16="http://schemas.microsoft.com/office/drawing/2014/main" id="{43A3A768-6BA8-48EE-8612-3B2A38D82776}"/>
+              </a:ext>
+            </a:extLst>
+          </p:cNvPr>
+          <p:cNvPicPr>
+            <a:picLocks noChangeAspect="1"/>
+          </p:cNvPicPr>
+          <p:nvPr/>
+        </p:nvPicPr>
+        <p:blipFill>
+          <a:blip r:embed="rId14"/>
+          <a:stretch>
+            <a:fillRect/>
+          </a:stretch>
+        </p:blipFill>
+        <p:spPr>
+          <a:xfrm>
+            <a:off x="9625595" y="6035465"/>
+            <a:ext cx="613141" cy="621053"/>
+          </a:xfrm>
+          <a:prstGeom prst="rect">
+            <a:avLst/>
+          </a:prstGeom>
+        </p:spPr>
+      </p:pic>
+      <p:pic>
+        <p:nvPicPr>
+          <p:cNvPr id="20" name="Obrázok 19">
+            <a:extLst>
+              <a:ext uri="{FF2B5EF4-FFF2-40B4-BE49-F238E27FC236}">
+                <a16:creationId xmlns:a16="http://schemas.microsoft.com/office/drawing/2014/main" id="{D18BEFE6-B47F-46AE-A50F-80B80C4AD8A6}"/>
+              </a:ext>
+            </a:extLst>
+          </p:cNvPr>
+          <p:cNvPicPr>
+            <a:picLocks noChangeAspect="1"/>
+          </p:cNvPicPr>
+          <p:nvPr/>
+        </p:nvPicPr>
+        <p:blipFill>
+          <a:blip r:embed="rId15"/>
+          <a:stretch>
+            <a:fillRect/>
+          </a:stretch>
+        </p:blipFill>
+        <p:spPr>
+          <a:xfrm>
+            <a:off x="7031717" y="5249126"/>
+            <a:ext cx="594412" cy="598223"/>
+          </a:xfrm>
+          <a:prstGeom prst="rect">
+            <a:avLst/>
+          </a:prstGeom>
+        </p:spPr>
+      </p:pic>
+      <p:pic>
+        <p:nvPicPr>
+          <p:cNvPr id="21" name="Obrázok 20">
+            <a:extLst>
+              <a:ext uri="{FF2B5EF4-FFF2-40B4-BE49-F238E27FC236}">
+                <a16:creationId xmlns:a16="http://schemas.microsoft.com/office/drawing/2014/main" id="{FA8EAA00-DCE2-4346-A60E-9AF85BE3B974}"/>
+              </a:ext>
+            </a:extLst>
+          </p:cNvPr>
+          <p:cNvPicPr>
+            <a:picLocks noChangeAspect="1"/>
+          </p:cNvPicPr>
+          <p:nvPr/>
+        </p:nvPicPr>
+        <p:blipFill>
+          <a:blip r:embed="rId16"/>
+          <a:stretch>
+            <a:fillRect/>
+          </a:stretch>
+        </p:blipFill>
+        <p:spPr>
+          <a:xfrm>
+            <a:off x="7795265" y="5248039"/>
+            <a:ext cx="594412" cy="590601"/>
+          </a:xfrm>
+          <a:prstGeom prst="rect">
+            <a:avLst/>
+          </a:prstGeom>
+        </p:spPr>
+      </p:pic>
+      <p:pic>
+        <p:nvPicPr>
+          <p:cNvPr id="22" name="Obrázok 21">
+            <a:extLst>
+              <a:ext uri="{FF2B5EF4-FFF2-40B4-BE49-F238E27FC236}">
+                <a16:creationId xmlns:a16="http://schemas.microsoft.com/office/drawing/2014/main" id="{C615A964-E5B2-4EB7-9D4E-BFDB61C91073}"/>
+              </a:ext>
+            </a:extLst>
+          </p:cNvPr>
+          <p:cNvPicPr>
+            <a:picLocks noChangeAspect="1"/>
+          </p:cNvPicPr>
+          <p:nvPr/>
+        </p:nvPicPr>
+        <p:blipFill>
+          <a:blip r:embed="rId17"/>
+          <a:stretch>
+            <a:fillRect/>
+          </a:stretch>
+        </p:blipFill>
+        <p:spPr>
+          <a:xfrm>
+            <a:off x="7025766" y="6042290"/>
+            <a:ext cx="613141" cy="621053"/>
+          </a:xfrm>
+          <a:prstGeom prst="rect">
+            <a:avLst/>
+          </a:prstGeom>
+        </p:spPr>
+      </p:pic>
+      <p:graphicFrame>
+        <p:nvGraphicFramePr>
+          <p:cNvPr id="25" name="Objekt 24">
+            <a:extLst>
+              <a:ext uri="{FF2B5EF4-FFF2-40B4-BE49-F238E27FC236}">
+                <a16:creationId xmlns:a16="http://schemas.microsoft.com/office/drawing/2014/main" id="{882C1851-5BB5-43AC-9BFB-EA8C67CBD789}"/>
+              </a:ext>
+            </a:extLst>
+          </p:cNvPr>
+          <p:cNvGraphicFramePr>
+            <a:graphicFrameLocks noChangeAspect="1"/>
+          </p:cNvGraphicFramePr>
+          <p:nvPr>
+            <p:extLst>
+              <p:ext uri="{D42A27DB-BD31-4B8C-83A1-F6EECF244321}">
+                <p14:modId xmlns:p14="http://schemas.microsoft.com/office/powerpoint/2010/main" val="3565888781"/>
+              </p:ext>
+            </p:extLst>
+          </p:nvPr>
+        </p:nvGraphicFramePr>
+        <p:xfrm>
+          <a:off x="7795265" y="6035465"/>
+          <a:ext cx="608423" cy="608423"/>
+        </p:xfrm>
+        <a:graphic>
+          <a:graphicData uri="http://schemas.openxmlformats.org/presentationml/2006/ole">
+            <mc:AlternateContent xmlns:mc="http://schemas.openxmlformats.org/markup-compatibility/2006">
+              <mc:Choice xmlns:v="urn:schemas-microsoft-com:vml" Requires="v">
+                <p:oleObj spid="_x0000_s1044" name="Bitmap Image" r:id="rId18" imgW="1495440" imgH="1495440" progId="Paint.Picture">
+                  <p:embed/>
+                </p:oleObj>
+              </mc:Choice>
+              <mc:Fallback>
+                <p:oleObj name="Bitmap Image" r:id="rId18" imgW="1495440" imgH="1495440" progId="Paint.Picture">
+                  <p:embed/>
+                  <p:pic>
+                    <p:nvPicPr>
+                      <p:cNvPr id="0" name=""/>
+                      <p:cNvPicPr/>
+                      <p:nvPr/>
+                    </p:nvPicPr>
+                    <p:blipFill>
+                      <a:blip r:embed="rId19"/>
+                      <a:stretch>
+                        <a:fillRect/>
+                      </a:stretch>
+                    </p:blipFill>
+                    <p:spPr>
+                      <a:xfrm>
+                        <a:off x="7795265" y="6035465"/>
+                        <a:ext cx="608423" cy="608423"/>
+                      </a:xfrm>
+                      <a:prstGeom prst="rect">
+                        <a:avLst/>
+                      </a:prstGeom>
+                    </p:spPr>
+                  </p:pic>
+                </p:oleObj>
+              </mc:Fallback>
+            </mc:AlternateContent>
+          </a:graphicData>
+        </a:graphic>
+      </p:graphicFrame>
+      <p:graphicFrame>
+        <p:nvGraphicFramePr>
+          <p:cNvPr id="26" name="Objekt 25">
+            <a:extLst>
+              <a:ext uri="{FF2B5EF4-FFF2-40B4-BE49-F238E27FC236}">
+                <a16:creationId xmlns:a16="http://schemas.microsoft.com/office/drawing/2014/main" id="{B7E4CEAE-8178-4EB6-BB58-882B202B7F70}"/>
+              </a:ext>
+            </a:extLst>
+          </p:cNvPr>
+          <p:cNvGraphicFramePr>
+            <a:graphicFrameLocks noChangeAspect="1"/>
+          </p:cNvGraphicFramePr>
+          <p:nvPr>
+            <p:extLst>
+              <p:ext uri="{D42A27DB-BD31-4B8C-83A1-F6EECF244321}">
+                <p14:modId xmlns:p14="http://schemas.microsoft.com/office/powerpoint/2010/main" val="992266970"/>
+              </p:ext>
+            </p:extLst>
+          </p:nvPr>
+        </p:nvGraphicFramePr>
+        <p:xfrm>
+          <a:off x="10593063" y="5256748"/>
+          <a:ext cx="594412" cy="590626"/>
+        </p:xfrm>
+        <a:graphic>
+          <a:graphicData uri="http://schemas.openxmlformats.org/presentationml/2006/ole">
+            <mc:AlternateContent xmlns:mc="http://schemas.openxmlformats.org/markup-compatibility/2006">
+              <mc:Choice xmlns:v="urn:schemas-microsoft-com:vml" Requires="v">
+                <p:oleObj spid="_x0000_s1045" name="Bitmap Image" r:id="rId20" imgW="1495440" imgH="1486080" progId="Paint.Picture">
+                  <p:embed/>
+                </p:oleObj>
+              </mc:Choice>
+              <mc:Fallback>
+                <p:oleObj name="Bitmap Image" r:id="rId20" imgW="1495440" imgH="1486080" progId="Paint.Picture">
+                  <p:embed/>
+                  <p:pic>
+                    <p:nvPicPr>
+                      <p:cNvPr id="0" name=""/>
+                      <p:cNvPicPr/>
+                      <p:nvPr/>
+                    </p:nvPicPr>
+                    <p:blipFill>
+                      <a:blip r:embed="rId21"/>
+                      <a:stretch>
+                        <a:fillRect/>
+                      </a:stretch>
+                    </p:blipFill>
+                    <p:spPr>
+                      <a:xfrm>
+                        <a:off x="10593063" y="5256748"/>
+                        <a:ext cx="594412" cy="590626"/>
+                      </a:xfrm>
+                      <a:prstGeom prst="rect">
+                        <a:avLst/>
+                      </a:prstGeom>
+                    </p:spPr>
+                  </p:pic>
+                </p:oleObj>
+              </mc:Fallback>
+            </mc:AlternateContent>
+          </a:graphicData>
+        </a:graphic>
+      </p:graphicFrame>
+      <p:pic>
+        <p:nvPicPr>
+          <p:cNvPr id="28" name="Obrázok 27">
+            <a:extLst>
+              <a:ext uri="{FF2B5EF4-FFF2-40B4-BE49-F238E27FC236}">
+                <a16:creationId xmlns:a16="http://schemas.microsoft.com/office/drawing/2014/main" id="{CAA203B3-CD08-41CF-BCFE-049B45D631A4}"/>
+              </a:ext>
+            </a:extLst>
+          </p:cNvPr>
+          <p:cNvPicPr>
+            <a:picLocks noChangeAspect="1"/>
+          </p:cNvPicPr>
+          <p:nvPr/>
+        </p:nvPicPr>
+        <p:blipFill>
+          <a:blip r:embed="rId22"/>
+          <a:stretch>
+            <a:fillRect/>
+          </a:stretch>
+        </p:blipFill>
+        <p:spPr>
+          <a:xfrm>
+            <a:off x="11364040" y="5248039"/>
+            <a:ext cx="594412" cy="594412"/>
+          </a:xfrm>
+          <a:prstGeom prst="rect">
+            <a:avLst/>
+          </a:prstGeom>
+        </p:spPr>
+      </p:pic>
+      <p:pic>
+        <p:nvPicPr>
+          <p:cNvPr id="29" name="Obrázok 28">
+            <a:extLst>
+              <a:ext uri="{FF2B5EF4-FFF2-40B4-BE49-F238E27FC236}">
+                <a16:creationId xmlns:a16="http://schemas.microsoft.com/office/drawing/2014/main" id="{4FAB2323-75BF-41AF-AA0A-952E662B6036}"/>
+              </a:ext>
+            </a:extLst>
+          </p:cNvPr>
+          <p:cNvPicPr>
+            <a:picLocks noChangeAspect="1"/>
+          </p:cNvPicPr>
+          <p:nvPr/>
+        </p:nvPicPr>
+        <p:blipFill>
+          <a:blip r:embed="rId23"/>
+          <a:stretch>
+            <a:fillRect/>
+          </a:stretch>
+        </p:blipFill>
+        <p:spPr>
+          <a:xfrm>
+            <a:off x="10595216" y="6010313"/>
+            <a:ext cx="592260" cy="592260"/>
+          </a:xfrm>
+          <a:prstGeom prst="rect">
+            <a:avLst/>
+          </a:prstGeom>
+        </p:spPr>
+      </p:pic>
+      <p:pic>
+        <p:nvPicPr>
+          <p:cNvPr id="30" name="Obrázok 29">
+            <a:extLst>
+              <a:ext uri="{FF2B5EF4-FFF2-40B4-BE49-F238E27FC236}">
+                <a16:creationId xmlns:a16="http://schemas.microsoft.com/office/drawing/2014/main" id="{94ED1267-0133-470D-AD87-8659B5982E35}"/>
+              </a:ext>
+            </a:extLst>
+          </p:cNvPr>
+          <p:cNvPicPr>
+            <a:picLocks noChangeAspect="1"/>
+          </p:cNvPicPr>
+          <p:nvPr/>
+        </p:nvPicPr>
+        <p:blipFill>
+          <a:blip r:embed="rId24"/>
+          <a:stretch>
+            <a:fillRect/>
+          </a:stretch>
+        </p:blipFill>
+        <p:spPr>
+          <a:xfrm>
+            <a:off x="11366192" y="6010313"/>
+            <a:ext cx="592260" cy="592260"/>
+          </a:xfrm>
+          <a:prstGeom prst="rect">
+            <a:avLst/>
+          </a:prstGeom>
+        </p:spPr>
+      </p:pic>
     </p:spTree>
     <p:extLst>
       <p:ext uri="{BB962C8B-B14F-4D97-AF65-F5344CB8AC3E}">
